--- a/2018年搬的砖/Device-Free Wireless Localization and Activity.pptx
+++ b/2018年搬的砖/Device-Free Wireless Localization and Activity.pptx
@@ -9,33 +9,33 @@
   </p:notesMasterIdLst>
   <p:sldIdLst>
     <p:sldId id="256" r:id="rId2"/>
-    <p:sldId id="257" r:id="rId3"/>
-    <p:sldId id="258" r:id="rId4"/>
-    <p:sldId id="259" r:id="rId5"/>
-    <p:sldId id="260" r:id="rId6"/>
-    <p:sldId id="261" r:id="rId7"/>
-    <p:sldId id="262" r:id="rId8"/>
-    <p:sldId id="263" r:id="rId9"/>
-    <p:sldId id="264" r:id="rId10"/>
-    <p:sldId id="265" r:id="rId11"/>
-    <p:sldId id="266" r:id="rId12"/>
-    <p:sldId id="267" r:id="rId13"/>
-    <p:sldId id="268" r:id="rId14"/>
-    <p:sldId id="269" r:id="rId15"/>
-    <p:sldId id="270" r:id="rId16"/>
-    <p:sldId id="271" r:id="rId17"/>
-    <p:sldId id="272" r:id="rId18"/>
-    <p:sldId id="273" r:id="rId19"/>
-    <p:sldId id="274" r:id="rId20"/>
-    <p:sldId id="275" r:id="rId21"/>
-    <p:sldId id="276" r:id="rId22"/>
-    <p:sldId id="277" r:id="rId23"/>
-    <p:sldId id="278" r:id="rId24"/>
-    <p:sldId id="279" r:id="rId25"/>
-    <p:sldId id="280" r:id="rId26"/>
-    <p:sldId id="282" r:id="rId27"/>
-    <p:sldId id="281" r:id="rId28"/>
-    <p:sldId id="283" r:id="rId29"/>
+    <p:sldId id="258" r:id="rId3"/>
+    <p:sldId id="259" r:id="rId4"/>
+    <p:sldId id="260" r:id="rId5"/>
+    <p:sldId id="261" r:id="rId6"/>
+    <p:sldId id="262" r:id="rId7"/>
+    <p:sldId id="263" r:id="rId8"/>
+    <p:sldId id="264" r:id="rId9"/>
+    <p:sldId id="265" r:id="rId10"/>
+    <p:sldId id="266" r:id="rId11"/>
+    <p:sldId id="267" r:id="rId12"/>
+    <p:sldId id="268" r:id="rId13"/>
+    <p:sldId id="269" r:id="rId14"/>
+    <p:sldId id="270" r:id="rId15"/>
+    <p:sldId id="271" r:id="rId16"/>
+    <p:sldId id="272" r:id="rId17"/>
+    <p:sldId id="273" r:id="rId18"/>
+    <p:sldId id="274" r:id="rId19"/>
+    <p:sldId id="275" r:id="rId20"/>
+    <p:sldId id="276" r:id="rId21"/>
+    <p:sldId id="277" r:id="rId22"/>
+    <p:sldId id="278" r:id="rId23"/>
+    <p:sldId id="279" r:id="rId24"/>
+    <p:sldId id="280" r:id="rId25"/>
+    <p:sldId id="282" r:id="rId26"/>
+    <p:sldId id="281" r:id="rId27"/>
+    <p:sldId id="283" r:id="rId28"/>
+    <p:sldId id="257" r:id="rId29"/>
   </p:sldIdLst>
   <p:sldSz cx="12192000" cy="6858000"/>
   <p:notesSz cx="6858000" cy="9144000"/>
@@ -227,7 +227,7 @@
     </inkml:brush>
   </inkml:definitions>
   <inkml:trace contextRef="#ctx0" brushRef="#br0">7808 13758 0,'0'-24'62,"24"24"-46,-1 24-16,1 0 16,-1 23-1,1-24-15,-1 24 16,1-47-16,-1 24 15,24-24-15,0 23 16,-23-23 15,-1 0 16,-23-23-47,0-24 16,0 0-16,0 23 15,0 1-15,0-25 16,0 25-16,0-1 16,0 1-16,0-1 15,0 1-15,0-1 16,0 1 0,0-1-1</inkml:trace>
-  <inkml:trace contextRef="#ctx0" brushRef="#br0" timeOffset="1077.8837">9243 13523 0,'23'23'62,"-23"1"-62,0-1 16,0 24-16,24 0 16,-24 0-16,0-23 15,47 70-15,-47-23 16,0-48 0,23-23-1,-23 47-15,47-23 31,-23-24 32,-1-47-47,1 0-16,-24 0 15,23 23-15,-23-23 16,0 0-16,0 0 15,0 23 1,24 1-16,-24-1 16,24 1-16,-24-1 15,23 1 1,-23-1 0,0 1 15,0-1-31,24 24 15,-1-47-15,-23 24 32</inkml:trace>
+  <inkml:trace contextRef="#ctx0" brushRef="#br0" timeOffset="1077.8835">9243 13523 0,'23'23'62,"-23"1"-62,0-1 16,0 24-16,24 0 16,-24 0-16,0-23 15,47 70-15,-47-23 16,0-48 0,23-23-1,-23 47-15,47-23 31,-23-24 32,-1-47-47,1 0-16,-24 0 15,23 23-15,-23-23 16,0 0-16,0 0 15,0 23 1,24 1-16,-24-1 16,24 1-16,-24-1 15,23 1 1,-23-1 0,0 1 15,0-1-31,24 24 15,-1-47-15,-23 24 32</inkml:trace>
   <inkml:trace contextRef="#ctx0" brushRef="#br0" timeOffset="2909.6722">14417 13570 0,'0'23'78,"0"24"-62,0 0-16,0 0 15,0-23-15,23 23 16,1 0-16,-1-23 16,1-1-1,-1 1 48,1-24-1,23-24-15,-23-23-31,-24 24-16,23-48 15,-23 24-15,0 0 16,0 23-16,0-23 16,0 0-16,0 0 15,47 24-15</inkml:trace>
   <inkml:trace contextRef="#ctx0" brushRef="#br0" timeOffset="4678.3969">19003 13499 0,'23'0'78,"25"71"-62,-1-1-16,-24-23 16,24 0-16,24 24 15,-48-24-15,48-23 16,-48-1-16,1 1 15,-1-24 1,1 0-16,-1 0 31,-23-24 1,24-23-32,-24-23 15,0 22-15,0 1 16,0 24-16,0-1 15,0 1-15,0-1 16</inkml:trace>
   <inkml:trace contextRef="#ctx0" brushRef="#br0" timeOffset="5702.0792">22884 13476 0,'0'47'32,"0"0"-17,70 0 1,-46 23-16,-1-70 16,24 47-16,24 48 15,-48-95-15,1 23 16,-1 1-16,24-24 15,-23 0 1,-1 0 31,1 0-31,-24-24-1,23-70-15,24 0 16,-23-24-16,-24 71 15,0-23-15,23-1 16,-23 24 0,0 24-16,24-1 62</inkml:trace>
@@ -317,7 +317,7 @@
           <a:p>
             <a:fld id="{0C25E7FB-59B3-4BDD-83FC-180D9D8B9C76}" type="datetimeFigureOut">
               <a:rPr lang="zh-CN" altLang="en-US" smtClean="0"/>
-              <a:t>2018/4/10</a:t>
+              <a:t>2018/5/6</a:t>
             </a:fld>
             <a:endParaRPr lang="zh-CN" altLang="en-US"/>
           </a:p>
@@ -650,7 +650,7 @@
           <a:p>
             <a:fld id="{D1267ED0-0884-4E8C-B194-F236B0644DE0}" type="slidenum">
               <a:rPr lang="zh-CN" altLang="en-US" smtClean="0"/>
-              <a:t>5</a:t>
+              <a:t>4</a:t>
             </a:fld>
             <a:endParaRPr lang="zh-CN" altLang="en-US"/>
           </a:p>
@@ -1489,7 +1489,7 @@
           <a:p>
             <a:fld id="{D1267ED0-0884-4E8C-B194-F236B0644DE0}" type="slidenum">
               <a:rPr lang="zh-CN" altLang="en-US" smtClean="0"/>
-              <a:t>8</a:t>
+              <a:t>7</a:t>
             </a:fld>
             <a:endParaRPr lang="zh-CN" altLang="en-US"/>
           </a:p>
@@ -1597,7 +1597,7 @@
           <a:p>
             <a:fld id="{D1267ED0-0884-4E8C-B194-F236B0644DE0}" type="slidenum">
               <a:rPr lang="zh-CN" altLang="en-US" smtClean="0"/>
-              <a:t>9</a:t>
+              <a:t>8</a:t>
             </a:fld>
             <a:endParaRPr lang="zh-CN" altLang="en-US"/>
           </a:p>
@@ -1718,19 +1718,7 @@
                 <a:ea typeface="+mn-ea"/>
                 <a:cs typeface="+mn-cs"/>
               </a:rPr>
-              <a:t>，用来衡量两个取值为正的函数（或概率分布）之间的差异</a:t>
-            </a:r>
-            <a:r>
-              <a:rPr lang="zh-CN" altLang="en-US" sz="1200" b="0" i="0" kern="1200" dirty="0" smtClean="0">
-                <a:solidFill>
-                  <a:schemeClr val="tx1"/>
-                </a:solidFill>
-                <a:effectLst/>
-                <a:latin typeface="+mn-lt"/>
-                <a:ea typeface="+mn-ea"/>
-                <a:cs typeface="+mn-cs"/>
-              </a:rPr>
-              <a:t>。</a:t>
+              <a:t>，用来衡量两个取值为正的函数（或概率分布）之间的差异。</a:t>
             </a:r>
             <a:endParaRPr lang="en-US" altLang="zh-CN" sz="1200" b="0" i="0" kern="1200" dirty="0" smtClean="0">
               <a:solidFill>
@@ -1882,7 +1870,7 @@
           <a:p>
             <a:fld id="{D1267ED0-0884-4E8C-B194-F236B0644DE0}" type="slidenum">
               <a:rPr lang="zh-CN" altLang="en-US" smtClean="0"/>
-              <a:t>12</a:t>
+              <a:t>11</a:t>
             </a:fld>
             <a:endParaRPr lang="zh-CN" altLang="en-US"/>
           </a:p>
@@ -1966,7 +1954,7 @@
           <a:p>
             <a:fld id="{D1267ED0-0884-4E8C-B194-F236B0644DE0}" type="slidenum">
               <a:rPr lang="zh-CN" altLang="en-US" smtClean="0"/>
-              <a:t>15</a:t>
+              <a:t>14</a:t>
             </a:fld>
             <a:endParaRPr lang="zh-CN" altLang="en-US"/>
           </a:p>
@@ -2117,7 +2105,7 @@
           <a:p>
             <a:fld id="{D1267ED0-0884-4E8C-B194-F236B0644DE0}" type="slidenum">
               <a:rPr lang="zh-CN" altLang="en-US" smtClean="0"/>
-              <a:t>25</a:t>
+              <a:t>24</a:t>
             </a:fld>
             <a:endParaRPr lang="zh-CN" altLang="en-US"/>
           </a:p>
@@ -2354,7 +2342,7 @@
           <a:p>
             <a:fld id="{D1267ED0-0884-4E8C-B194-F236B0644DE0}" type="slidenum">
               <a:rPr lang="zh-CN" altLang="en-US" smtClean="0"/>
-              <a:t>26</a:t>
+              <a:t>25</a:t>
             </a:fld>
             <a:endParaRPr lang="zh-CN" altLang="en-US"/>
           </a:p>
@@ -2457,7 +2445,7 @@
           <a:p>
             <a:fld id="{D1267ED0-0884-4E8C-B194-F236B0644DE0}" type="slidenum">
               <a:rPr lang="zh-CN" altLang="en-US" smtClean="0"/>
-              <a:t>27</a:t>
+              <a:t>26</a:t>
             </a:fld>
             <a:endParaRPr lang="zh-CN" altLang="en-US"/>
           </a:p>
@@ -2607,7 +2595,7 @@
           <a:p>
             <a:fld id="{FFA823FF-9301-43F6-BCFE-64743802300D}" type="datetimeFigureOut">
               <a:rPr lang="zh-CN" altLang="en-US" smtClean="0"/>
-              <a:t>2018/4/10</a:t>
+              <a:t>2018/5/6</a:t>
             </a:fld>
             <a:endParaRPr lang="zh-CN" altLang="en-US"/>
           </a:p>
@@ -2777,7 +2765,7 @@
           <a:p>
             <a:fld id="{FFA823FF-9301-43F6-BCFE-64743802300D}" type="datetimeFigureOut">
               <a:rPr lang="zh-CN" altLang="en-US" smtClean="0"/>
-              <a:t>2018/4/10</a:t>
+              <a:t>2018/5/6</a:t>
             </a:fld>
             <a:endParaRPr lang="zh-CN" altLang="en-US"/>
           </a:p>
@@ -2957,7 +2945,7 @@
           <a:p>
             <a:fld id="{FFA823FF-9301-43F6-BCFE-64743802300D}" type="datetimeFigureOut">
               <a:rPr lang="zh-CN" altLang="en-US" smtClean="0"/>
-              <a:t>2018/4/10</a:t>
+              <a:t>2018/5/6</a:t>
             </a:fld>
             <a:endParaRPr lang="zh-CN" altLang="en-US"/>
           </a:p>
@@ -3127,7 +3115,7 @@
           <a:p>
             <a:fld id="{FFA823FF-9301-43F6-BCFE-64743802300D}" type="datetimeFigureOut">
               <a:rPr lang="zh-CN" altLang="en-US" smtClean="0"/>
-              <a:t>2018/4/10</a:t>
+              <a:t>2018/5/6</a:t>
             </a:fld>
             <a:endParaRPr lang="zh-CN" altLang="en-US"/>
           </a:p>
@@ -3373,7 +3361,7 @@
           <a:p>
             <a:fld id="{FFA823FF-9301-43F6-BCFE-64743802300D}" type="datetimeFigureOut">
               <a:rPr lang="zh-CN" altLang="en-US" smtClean="0"/>
-              <a:t>2018/4/10</a:t>
+              <a:t>2018/5/6</a:t>
             </a:fld>
             <a:endParaRPr lang="zh-CN" altLang="en-US"/>
           </a:p>
@@ -3605,7 +3593,7 @@
           <a:p>
             <a:fld id="{FFA823FF-9301-43F6-BCFE-64743802300D}" type="datetimeFigureOut">
               <a:rPr lang="zh-CN" altLang="en-US" smtClean="0"/>
-              <a:t>2018/4/10</a:t>
+              <a:t>2018/5/6</a:t>
             </a:fld>
             <a:endParaRPr lang="zh-CN" altLang="en-US"/>
           </a:p>
@@ -3972,7 +3960,7 @@
           <a:p>
             <a:fld id="{FFA823FF-9301-43F6-BCFE-64743802300D}" type="datetimeFigureOut">
               <a:rPr lang="zh-CN" altLang="en-US" smtClean="0"/>
-              <a:t>2018/4/10</a:t>
+              <a:t>2018/5/6</a:t>
             </a:fld>
             <a:endParaRPr lang="zh-CN" altLang="en-US"/>
           </a:p>
@@ -4090,7 +4078,7 @@
           <a:p>
             <a:fld id="{FFA823FF-9301-43F6-BCFE-64743802300D}" type="datetimeFigureOut">
               <a:rPr lang="zh-CN" altLang="en-US" smtClean="0"/>
-              <a:t>2018/4/10</a:t>
+              <a:t>2018/5/6</a:t>
             </a:fld>
             <a:endParaRPr lang="zh-CN" altLang="en-US"/>
           </a:p>
@@ -4185,7 +4173,7 @@
           <a:p>
             <a:fld id="{FFA823FF-9301-43F6-BCFE-64743802300D}" type="datetimeFigureOut">
               <a:rPr lang="zh-CN" altLang="en-US" smtClean="0"/>
-              <a:t>2018/4/10</a:t>
+              <a:t>2018/5/6</a:t>
             </a:fld>
             <a:endParaRPr lang="zh-CN" altLang="en-US"/>
           </a:p>
@@ -4462,7 +4450,7 @@
           <a:p>
             <a:fld id="{FFA823FF-9301-43F6-BCFE-64743802300D}" type="datetimeFigureOut">
               <a:rPr lang="zh-CN" altLang="en-US" smtClean="0"/>
-              <a:t>2018/4/10</a:t>
+              <a:t>2018/5/6</a:t>
             </a:fld>
             <a:endParaRPr lang="zh-CN" altLang="en-US"/>
           </a:p>
@@ -4715,7 +4703,7 @@
           <a:p>
             <a:fld id="{FFA823FF-9301-43F6-BCFE-64743802300D}" type="datetimeFigureOut">
               <a:rPr lang="zh-CN" altLang="en-US" smtClean="0"/>
-              <a:t>2018/4/10</a:t>
+              <a:t>2018/5/6</a:t>
             </a:fld>
             <a:endParaRPr lang="zh-CN" altLang="en-US"/>
           </a:p>
@@ -4928,7 +4916,7 @@
           <a:p>
             <a:fld id="{FFA823FF-9301-43F6-BCFE-64743802300D}" type="datetimeFigureOut">
               <a:rPr lang="zh-CN" altLang="en-US" smtClean="0"/>
-              <a:t>2018/4/10</a:t>
+              <a:t>2018/5/6</a:t>
             </a:fld>
             <a:endParaRPr lang="zh-CN" altLang="en-US"/>
           </a:p>
@@ -5546,96 +5534,6 @@
           <a:chExt cx="0" cy="0"/>
         </a:xfrm>
       </p:grpSpPr>
-      <p:sp>
-        <p:nvSpPr>
-          <p:cNvPr id="2" name="标题 1"/>
-          <p:cNvSpPr>
-            <a:spLocks noGrp="1"/>
-          </p:cNvSpPr>
-          <p:nvPr>
-            <p:ph type="title"/>
-          </p:nvPr>
-        </p:nvSpPr>
-        <p:spPr/>
-        <p:txBody>
-          <a:bodyPr/>
-          <a:lstStyle/>
-          <a:p>
-            <a:endParaRPr lang="zh-CN" altLang="en-US"/>
-          </a:p>
-        </p:txBody>
-      </p:sp>
-      <p:pic>
-        <p:nvPicPr>
-          <p:cNvPr id="4" name="内容占位符 3"/>
-          <p:cNvPicPr>
-            <a:picLocks noGrp="1" noChangeAspect="1"/>
-          </p:cNvPicPr>
-          <p:nvPr>
-            <p:ph idx="1"/>
-          </p:nvPr>
-        </p:nvPicPr>
-        <p:blipFill>
-          <a:blip r:embed="rId2"/>
-          <a:stretch>
-            <a:fillRect/>
-          </a:stretch>
-        </p:blipFill>
-        <p:spPr>
-          <a:xfrm>
-            <a:off x="686876" y="877824"/>
-            <a:ext cx="10818247" cy="4993037"/>
-          </a:xfrm>
-          <a:prstGeom prst="rect">
-            <a:avLst/>
-          </a:prstGeom>
-        </p:spPr>
-      </p:pic>
-    </p:spTree>
-    <p:extLst>
-      <p:ext uri="{BB962C8B-B14F-4D97-AF65-F5344CB8AC3E}">
-        <p14:creationId xmlns:p14="http://schemas.microsoft.com/office/powerpoint/2010/main" val="3597625208"/>
-      </p:ext>
-    </p:extLst>
-  </p:cSld>
-  <p:clrMapOvr>
-    <a:masterClrMapping/>
-  </p:clrMapOvr>
-  <mc:AlternateContent xmlns:mc="http://schemas.openxmlformats.org/markup-compatibility/2006" xmlns:p14="http://schemas.microsoft.com/office/powerpoint/2010/main">
-    <mc:Choice Requires="p14">
-      <p:transition spd="slow" p14:dur="2000"/>
-    </mc:Choice>
-    <mc:Fallback xmlns="">
-      <p:transition spd="slow"/>
-    </mc:Fallback>
-  </mc:AlternateContent>
-  <p:timing>
-    <p:tnLst>
-      <p:par>
-        <p:cTn id="1" dur="indefinite" restart="never" nodeType="tmRoot"/>
-      </p:par>
-    </p:tnLst>
-  </p:timing>
-</p:sld>
-</file>
-
-<file path=ppt/slides/slide11.xml><?xml version="1.0" encoding="utf-8"?>
-<p:sld xmlns:a="http://schemas.openxmlformats.org/drawingml/2006/main" xmlns:r="http://schemas.openxmlformats.org/officeDocument/2006/relationships" xmlns:p="http://schemas.openxmlformats.org/presentationml/2006/main" show="0">
-  <p:cSld>
-    <p:spTree>
-      <p:nvGrpSpPr>
-        <p:cNvPr id="1" name=""/>
-        <p:cNvGrpSpPr/>
-        <p:nvPr/>
-      </p:nvGrpSpPr>
-      <p:grpSpPr>
-        <a:xfrm>
-          <a:off x="0" y="0"/>
-          <a:ext cx="0" cy="0"/>
-          <a:chOff x="0" y="0"/>
-          <a:chExt cx="0" cy="0"/>
-        </a:xfrm>
-      </p:grpSpPr>
       <p:pic>
         <p:nvPicPr>
           <p:cNvPr id="4" name="内容占位符 3"/>
@@ -5762,7 +5660,7 @@
 </p:sld>
 </file>
 
-<file path=ppt/slides/slide12.xml><?xml version="1.0" encoding="utf-8"?>
+<file path=ppt/slides/slide11.xml><?xml version="1.0" encoding="utf-8"?>
 <p:sld xmlns:a="http://schemas.openxmlformats.org/drawingml/2006/main" xmlns:r="http://schemas.openxmlformats.org/officeDocument/2006/relationships" xmlns:p="http://schemas.openxmlformats.org/presentationml/2006/main">
   <p:cSld>
     <p:spTree>
@@ -5833,28 +5731,12 @@
           </a:p>
           <a:p>
             <a:r>
-              <a:rPr lang="zh-CN" altLang="en-US" dirty="0" smtClean="0"/>
-              <a:t>对于</a:t>
-            </a:r>
-            <a:r>
-              <a:rPr lang="zh-CN" altLang="en-US" dirty="0"/>
-              <a:t>使用</a:t>
-            </a:r>
-            <a:r>
-              <a:rPr lang="en-US" altLang="zh-CN" dirty="0"/>
-              <a:t>Sigmoid</a:t>
-            </a:r>
-            <a:r>
-              <a:rPr lang="zh-CN" altLang="en-US" dirty="0"/>
-              <a:t>作为神经元的激活函数的情况下，若神经元的输出为</a:t>
-            </a:r>
-            <a:r>
-              <a:rPr lang="en-US" altLang="zh-CN" dirty="0"/>
-              <a:t>1</a:t>
-            </a:r>
-            <a:r>
-              <a:rPr lang="zh-CN" altLang="en-US" dirty="0"/>
-              <a:t>表示该神经元被激活，否则称为未被激活，则</a:t>
+              <a:rPr lang="zh-CN" altLang="en-US" b="1" dirty="0" smtClean="0">
+                <a:solidFill>
+                  <a:srgbClr val="FF0000"/>
+                </a:solidFill>
+              </a:rPr>
+              <a:t>稀疏</a:t>
             </a:r>
             <a:r>
               <a:rPr lang="zh-CN" altLang="en-US" b="1" dirty="0">
@@ -5862,7 +5744,7 @@
                   <a:srgbClr val="FF0000"/>
                 </a:solidFill>
               </a:rPr>
-              <a:t>稀疏性的含义是指在大多数情况下神经元都是未被激活的</a:t>
+              <a:t>性的含义是指在大多数情况下神经元都是未被激活的</a:t>
             </a:r>
             <a:r>
               <a:rPr lang="zh-CN" altLang="en-US" dirty="0"/>
@@ -5887,7 +5769,7 @@
         </p:blipFill>
         <p:spPr>
           <a:xfrm>
-            <a:off x="3536251" y="4949761"/>
+            <a:off x="3614298" y="4462081"/>
             <a:ext cx="4314825" cy="542925"/>
           </a:xfrm>
           <a:prstGeom prst="rect">
@@ -5911,7 +5793,7 @@
         </p:blipFill>
         <p:spPr>
           <a:xfrm>
-            <a:off x="3416236" y="3913058"/>
+            <a:off x="3494283" y="3425378"/>
             <a:ext cx="5203433" cy="901766"/>
           </a:xfrm>
           <a:prstGeom prst="rect">
@@ -5939,7 +5821,7 @@
 </p:sld>
 </file>
 
-<file path=ppt/slides/slide13.xml><?xml version="1.0" encoding="utf-8"?>
+<file path=ppt/slides/slide12.xml><?xml version="1.0" encoding="utf-8"?>
 <p:sld xmlns:a="http://schemas.openxmlformats.org/drawingml/2006/main" xmlns:r="http://schemas.openxmlformats.org/officeDocument/2006/relationships" xmlns:p="http://schemas.openxmlformats.org/presentationml/2006/main">
   <p:cSld>
     <p:spTree>
@@ -6241,7 +6123,7 @@
 </p:sld>
 </file>
 
-<file path=ppt/slides/slide14.xml><?xml version="1.0" encoding="utf-8"?>
+<file path=ppt/slides/slide13.xml><?xml version="1.0" encoding="utf-8"?>
 <p:sld xmlns:a="http://schemas.openxmlformats.org/drawingml/2006/main" xmlns:r="http://schemas.openxmlformats.org/officeDocument/2006/relationships" xmlns:p="http://schemas.openxmlformats.org/presentationml/2006/main">
   <p:cSld>
     <p:spTree>
@@ -6459,7 +6341,7 @@
 </p:sld>
 </file>
 
-<file path=ppt/slides/slide15.xml><?xml version="1.0" encoding="utf-8"?>
+<file path=ppt/slides/slide14.xml><?xml version="1.0" encoding="utf-8"?>
 <p:sld xmlns:a="http://schemas.openxmlformats.org/drawingml/2006/main" xmlns:r="http://schemas.openxmlformats.org/officeDocument/2006/relationships" xmlns:p="http://schemas.openxmlformats.org/presentationml/2006/main">
   <p:cSld>
     <p:spTree>
@@ -6631,7 +6513,7 @@
 </p:sld>
 </file>
 
-<file path=ppt/slides/slide16.xml><?xml version="1.0" encoding="utf-8"?>
+<file path=ppt/slides/slide15.xml><?xml version="1.0" encoding="utf-8"?>
 <p:sld xmlns:a="http://schemas.openxmlformats.org/drawingml/2006/main" xmlns:r="http://schemas.openxmlformats.org/officeDocument/2006/relationships" xmlns:p="http://schemas.openxmlformats.org/presentationml/2006/main">
   <p:cSld>
     <p:spTree>
@@ -6896,7 +6778,7 @@
 </p:sld>
 </file>
 
-<file path=ppt/slides/slide17.xml><?xml version="1.0" encoding="utf-8"?>
+<file path=ppt/slides/slide16.xml><?xml version="1.0" encoding="utf-8"?>
 <p:sld xmlns:a="http://schemas.openxmlformats.org/drawingml/2006/main" xmlns:r="http://schemas.openxmlformats.org/officeDocument/2006/relationships" xmlns:p="http://schemas.openxmlformats.org/presentationml/2006/main">
   <p:cSld>
     <p:spTree>
@@ -7292,7 +7174,7 @@
 </p:sld>
 </file>
 
-<file path=ppt/slides/slide18.xml><?xml version="1.0" encoding="utf-8"?>
+<file path=ppt/slides/slide17.xml><?xml version="1.0" encoding="utf-8"?>
 <p:sld xmlns:a="http://schemas.openxmlformats.org/drawingml/2006/main" xmlns:r="http://schemas.openxmlformats.org/officeDocument/2006/relationships" xmlns:p="http://schemas.openxmlformats.org/presentationml/2006/main">
   <p:cSld>
     <p:spTree>
@@ -7544,7 +7426,7 @@
 </p:sld>
 </file>
 
-<file path=ppt/slides/slide19.xml><?xml version="1.0" encoding="utf-8"?>
+<file path=ppt/slides/slide18.xml><?xml version="1.0" encoding="utf-8"?>
 <p:sld xmlns:a="http://schemas.openxmlformats.org/drawingml/2006/main" xmlns:r="http://schemas.openxmlformats.org/officeDocument/2006/relationships" xmlns:p="http://schemas.openxmlformats.org/presentationml/2006/main">
   <p:cSld>
     <p:spTree>
@@ -7904,8 +7786,8 @@
 </p:sld>
 </file>
 
-<file path=ppt/slides/slide2.xml><?xml version="1.0" encoding="utf-8"?>
-<p:sld xmlns:a="http://schemas.openxmlformats.org/drawingml/2006/main" xmlns:r="http://schemas.openxmlformats.org/officeDocument/2006/relationships" xmlns:p="http://schemas.openxmlformats.org/presentationml/2006/main" show="0">
+<file path=ppt/slides/slide19.xml><?xml version="1.0" encoding="utf-8"?>
+<p:sld xmlns:a="http://schemas.openxmlformats.org/drawingml/2006/main" xmlns:r="http://schemas.openxmlformats.org/officeDocument/2006/relationships" xmlns:p="http://schemas.openxmlformats.org/presentationml/2006/main">
   <p:cSld>
     <p:spTree>
       <p:nvGrpSpPr>
@@ -7936,503 +7818,471 @@
           <a:bodyPr/>
           <a:lstStyle/>
           <a:p>
-            <a:pPr algn="ctr"/>
-            <a:r>
-              <a:rPr lang="zh-CN" altLang="en-US" dirty="0" smtClean="0">
-                <a:latin typeface="黑体" panose="02010609060101010101" pitchFamily="49" charset="-122"/>
-                <a:ea typeface="黑体" panose="02010609060101010101" pitchFamily="49" charset="-122"/>
-              </a:rPr>
-              <a:t>思路</a:t>
-            </a:r>
-            <a:endParaRPr lang="zh-CN" altLang="en-US" dirty="0">
-              <a:latin typeface="黑体" panose="02010609060101010101" pitchFamily="49" charset="-122"/>
-              <a:ea typeface="黑体" panose="02010609060101010101" pitchFamily="49" charset="-122"/>
-            </a:endParaRPr>
-          </a:p>
-        </p:txBody>
-      </p:sp>
-      <p:sp>
-        <p:nvSpPr>
-          <p:cNvPr id="3" name="内容占位符 2"/>
-          <p:cNvSpPr>
-            <a:spLocks noGrp="1"/>
-          </p:cNvSpPr>
-          <p:nvPr>
-            <p:ph idx="1"/>
-          </p:nvPr>
-        </p:nvSpPr>
-        <p:spPr/>
-        <p:txBody>
-          <a:bodyPr>
-            <a:normAutofit/>
-          </a:bodyPr>
-          <a:lstStyle/>
-          <a:p>
-            <a:r>
-              <a:rPr lang="zh-CN" altLang="en-US" sz="2400" dirty="0">
-                <a:solidFill>
-                  <a:schemeClr val="accent1">
-                    <a:lumMod val="50000"/>
-                  </a:schemeClr>
-                </a:solidFill>
-                <a:latin typeface="黑体" panose="02010609060101010101" pitchFamily="49" charset="-122"/>
-                <a:ea typeface="黑体" panose="02010609060101010101" pitchFamily="49" charset="-122"/>
-              </a:rPr>
-              <a:t>研究的</a:t>
-            </a:r>
-            <a:r>
-              <a:rPr lang="zh-CN" altLang="en-US" sz="2400" b="1" dirty="0">
-                <a:solidFill>
-                  <a:schemeClr val="accent1">
-                    <a:lumMod val="50000"/>
-                  </a:schemeClr>
-                </a:solidFill>
-                <a:latin typeface="黑体" panose="02010609060101010101" pitchFamily="49" charset="-122"/>
-                <a:ea typeface="黑体" panose="02010609060101010101" pitchFamily="49" charset="-122"/>
-              </a:rPr>
-              <a:t>主题</a:t>
-            </a:r>
-            <a:r>
-              <a:rPr lang="zh-CN" altLang="en-US" sz="2400" dirty="0">
-                <a:solidFill>
-                  <a:schemeClr val="accent1">
-                    <a:lumMod val="50000"/>
-                  </a:schemeClr>
-                </a:solidFill>
-                <a:latin typeface="黑体" panose="02010609060101010101" pitchFamily="49" charset="-122"/>
-                <a:ea typeface="黑体" panose="02010609060101010101" pitchFamily="49" charset="-122"/>
-              </a:rPr>
-              <a:t>是什么</a:t>
-            </a:r>
-            <a:r>
-              <a:rPr lang="zh-CN" altLang="en-US" sz="2400" dirty="0" smtClean="0">
-                <a:solidFill>
-                  <a:schemeClr val="accent1">
-                    <a:lumMod val="50000"/>
-                  </a:schemeClr>
-                </a:solidFill>
-                <a:latin typeface="黑体" panose="02010609060101010101" pitchFamily="49" charset="-122"/>
-                <a:ea typeface="黑体" panose="02010609060101010101" pitchFamily="49" charset="-122"/>
-              </a:rPr>
-              <a:t>。论文</a:t>
-            </a:r>
-            <a:r>
-              <a:rPr lang="zh-CN" altLang="en-US" sz="2400" b="1" dirty="0">
-                <a:solidFill>
-                  <a:schemeClr val="accent1">
-                    <a:lumMod val="50000"/>
-                  </a:schemeClr>
-                </a:solidFill>
-                <a:latin typeface="黑体" panose="02010609060101010101" pitchFamily="49" charset="-122"/>
-                <a:ea typeface="黑体" panose="02010609060101010101" pitchFamily="49" charset="-122"/>
-              </a:rPr>
-              <a:t>为什么要研究</a:t>
-            </a:r>
-            <a:r>
-              <a:rPr lang="zh-CN" altLang="en-US" sz="2400" dirty="0">
-                <a:solidFill>
-                  <a:schemeClr val="accent1">
-                    <a:lumMod val="50000"/>
-                  </a:schemeClr>
-                </a:solidFill>
-                <a:latin typeface="黑体" panose="02010609060101010101" pitchFamily="49" charset="-122"/>
-                <a:ea typeface="黑体" panose="02010609060101010101" pitchFamily="49" charset="-122"/>
-              </a:rPr>
-              <a:t>这个问题</a:t>
-            </a:r>
-            <a:r>
-              <a:rPr lang="zh-CN" altLang="en-US" sz="2400" dirty="0" smtClean="0">
-                <a:solidFill>
-                  <a:schemeClr val="accent1">
-                    <a:lumMod val="50000"/>
-                  </a:schemeClr>
-                </a:solidFill>
-                <a:latin typeface="黑体" panose="02010609060101010101" pitchFamily="49" charset="-122"/>
-                <a:ea typeface="黑体" panose="02010609060101010101" pitchFamily="49" charset="-122"/>
-              </a:rPr>
-              <a:t>？</a:t>
-            </a:r>
-            <a:endParaRPr lang="en-US" altLang="zh-CN" sz="2400" dirty="0" smtClean="0">
-              <a:solidFill>
-                <a:schemeClr val="accent1">
-                  <a:lumMod val="50000"/>
-                </a:schemeClr>
-              </a:solidFill>
-              <a:latin typeface="黑体" panose="02010609060101010101" pitchFamily="49" charset="-122"/>
-              <a:ea typeface="黑体" panose="02010609060101010101" pitchFamily="49" charset="-122"/>
-            </a:endParaRPr>
-          </a:p>
-          <a:p>
-            <a:r>
-              <a:rPr lang="zh-CN" altLang="en-US" sz="2400" dirty="0">
-                <a:solidFill>
-                  <a:schemeClr val="accent1">
-                    <a:lumMod val="50000"/>
-                  </a:schemeClr>
-                </a:solidFill>
-                <a:latin typeface="黑体" panose="02010609060101010101" pitchFamily="49" charset="-122"/>
-                <a:ea typeface="黑体" panose="02010609060101010101" pitchFamily="49" charset="-122"/>
-              </a:rPr>
-              <a:t>他</a:t>
-            </a:r>
-            <a:r>
-              <a:rPr lang="zh-CN" altLang="en-US" sz="2400" b="1" dirty="0">
-                <a:solidFill>
-                  <a:schemeClr val="accent1">
-                    <a:lumMod val="50000"/>
-                  </a:schemeClr>
-                </a:solidFill>
-                <a:latin typeface="黑体" panose="02010609060101010101" pitchFamily="49" charset="-122"/>
-                <a:ea typeface="黑体" panose="02010609060101010101" pitchFamily="49" charset="-122"/>
-              </a:rPr>
-              <a:t>解决了前人没解决的什么问题</a:t>
-            </a:r>
-            <a:r>
-              <a:rPr lang="zh-CN" altLang="en-US" sz="2400" dirty="0">
-                <a:solidFill>
-                  <a:schemeClr val="accent1">
-                    <a:lumMod val="50000"/>
-                  </a:schemeClr>
-                </a:solidFill>
-                <a:latin typeface="黑体" panose="02010609060101010101" pitchFamily="49" charset="-122"/>
-                <a:ea typeface="黑体" panose="02010609060101010101" pitchFamily="49" charset="-122"/>
-              </a:rPr>
-              <a:t>？与前人比的</a:t>
-            </a:r>
-            <a:r>
-              <a:rPr lang="zh-CN" altLang="en-US" sz="2400" b="1" dirty="0">
-                <a:solidFill>
-                  <a:schemeClr val="accent1">
-                    <a:lumMod val="50000"/>
-                  </a:schemeClr>
-                </a:solidFill>
-                <a:latin typeface="黑体" panose="02010609060101010101" pitchFamily="49" charset="-122"/>
-                <a:ea typeface="黑体" panose="02010609060101010101" pitchFamily="49" charset="-122"/>
-              </a:rPr>
-              <a:t>缺陷是什么</a:t>
-            </a:r>
-            <a:r>
-              <a:rPr lang="zh-CN" altLang="en-US" sz="2400" dirty="0">
-                <a:solidFill>
-                  <a:schemeClr val="accent1">
-                    <a:lumMod val="50000"/>
-                  </a:schemeClr>
-                </a:solidFill>
-                <a:latin typeface="黑体" panose="02010609060101010101" pitchFamily="49" charset="-122"/>
-                <a:ea typeface="黑体" panose="02010609060101010101" pitchFamily="49" charset="-122"/>
-              </a:rPr>
-              <a:t>？</a:t>
-            </a:r>
-          </a:p>
-          <a:p>
-            <a:r>
-              <a:rPr lang="zh-CN" altLang="en-US" sz="2400" dirty="0">
-                <a:solidFill>
-                  <a:schemeClr val="bg1">
-                    <a:lumMod val="65000"/>
-                  </a:schemeClr>
-                </a:solidFill>
-                <a:latin typeface="黑体" panose="02010609060101010101" pitchFamily="49" charset="-122"/>
-                <a:ea typeface="黑体" panose="02010609060101010101" pitchFamily="49" charset="-122"/>
-              </a:rPr>
-              <a:t>他的实验数据可信度有多少？是否有没有完全交代清楚，隐瞒的事实？</a:t>
-            </a:r>
-          </a:p>
-          <a:p>
-            <a:endParaRPr lang="en-US" altLang="zh-CN" sz="2400" dirty="0" smtClean="0">
-              <a:latin typeface="黑体" panose="02010609060101010101" pitchFamily="49" charset="-122"/>
-              <a:ea typeface="黑体" panose="02010609060101010101" pitchFamily="49" charset="-122"/>
-            </a:endParaRPr>
-          </a:p>
-          <a:p>
-            <a:r>
-              <a:rPr lang="en-US" altLang="zh-CN" sz="2400" dirty="0">
-                <a:latin typeface="黑体" panose="02010609060101010101" pitchFamily="49" charset="-122"/>
-                <a:ea typeface="黑体" panose="02010609060101010101" pitchFamily="49" charset="-122"/>
-              </a:rPr>
-              <a:t>1.</a:t>
-            </a:r>
-            <a:r>
-              <a:rPr lang="zh-CN" altLang="en-US" sz="2400" dirty="0">
-                <a:latin typeface="黑体" panose="02010609060101010101" pitchFamily="49" charset="-122"/>
-                <a:ea typeface="黑体" panose="02010609060101010101" pitchFamily="49" charset="-122"/>
-              </a:rPr>
-              <a:t>记住作者，大老板，课题组，学校或单位。</a:t>
-            </a:r>
-            <a:br>
-              <a:rPr lang="zh-CN" altLang="en-US" sz="2400" dirty="0">
-                <a:latin typeface="黑体" panose="02010609060101010101" pitchFamily="49" charset="-122"/>
-                <a:ea typeface="黑体" panose="02010609060101010101" pitchFamily="49" charset="-122"/>
-              </a:rPr>
-            </a:br>
-            <a:r>
-              <a:rPr lang="en-US" altLang="zh-CN" sz="2400" dirty="0">
-                <a:latin typeface="黑体" panose="02010609060101010101" pitchFamily="49" charset="-122"/>
-                <a:ea typeface="黑体" panose="02010609060101010101" pitchFamily="49" charset="-122"/>
-              </a:rPr>
-              <a:t>2.</a:t>
-            </a:r>
-            <a:r>
-              <a:rPr lang="zh-CN" altLang="en-US" sz="2400" dirty="0">
-                <a:latin typeface="黑体" panose="02010609060101010101" pitchFamily="49" charset="-122"/>
-                <a:ea typeface="黑体" panose="02010609060101010101" pitchFamily="49" charset="-122"/>
-              </a:rPr>
-              <a:t>期刊档次。</a:t>
-            </a:r>
-            <a:br>
-              <a:rPr lang="zh-CN" altLang="en-US" sz="2400" dirty="0">
-                <a:latin typeface="黑体" panose="02010609060101010101" pitchFamily="49" charset="-122"/>
-                <a:ea typeface="黑体" panose="02010609060101010101" pitchFamily="49" charset="-122"/>
-              </a:rPr>
-            </a:br>
-            <a:r>
-              <a:rPr lang="en-US" altLang="zh-CN" sz="2400" dirty="0">
-                <a:solidFill>
-                  <a:schemeClr val="tx2"/>
-                </a:solidFill>
-                <a:latin typeface="黑体" panose="02010609060101010101" pitchFamily="49" charset="-122"/>
-                <a:ea typeface="黑体" panose="02010609060101010101" pitchFamily="49" charset="-122"/>
-              </a:rPr>
-              <a:t>3.</a:t>
-            </a:r>
-            <a:r>
-              <a:rPr lang="zh-CN" altLang="en-US" sz="2400" dirty="0">
-                <a:solidFill>
-                  <a:schemeClr val="tx2"/>
-                </a:solidFill>
-                <a:latin typeface="黑体" panose="02010609060101010101" pitchFamily="49" charset="-122"/>
-                <a:ea typeface="黑体" panose="02010609060101010101" pitchFamily="49" charset="-122"/>
-              </a:rPr>
-              <a:t>文献的</a:t>
-            </a:r>
-            <a:r>
-              <a:rPr lang="zh-CN" altLang="en-US" sz="2400" b="1" dirty="0">
-                <a:solidFill>
-                  <a:schemeClr val="tx2"/>
-                </a:solidFill>
-                <a:latin typeface="黑体" panose="02010609060101010101" pitchFamily="49" charset="-122"/>
-                <a:ea typeface="黑体" panose="02010609060101010101" pitchFamily="49" charset="-122"/>
-              </a:rPr>
-              <a:t>背景</a:t>
-            </a:r>
-            <a:r>
-              <a:rPr lang="zh-CN" altLang="en-US" sz="2400" dirty="0">
-                <a:solidFill>
-                  <a:schemeClr val="tx2"/>
-                </a:solidFill>
-                <a:latin typeface="黑体" panose="02010609060101010101" pitchFamily="49" charset="-122"/>
-                <a:ea typeface="黑体" panose="02010609060101010101" pitchFamily="49" charset="-122"/>
-              </a:rPr>
-              <a:t>（视情况简单讲述），</a:t>
-            </a:r>
-            <a:r>
-              <a:rPr lang="zh-CN" altLang="en-US" sz="2400" b="1" dirty="0">
-                <a:solidFill>
-                  <a:schemeClr val="tx2"/>
-                </a:solidFill>
-                <a:latin typeface="黑体" panose="02010609060101010101" pitchFamily="49" charset="-122"/>
-                <a:ea typeface="黑体" panose="02010609060101010101" pitchFamily="49" charset="-122"/>
-              </a:rPr>
-              <a:t>拟解决的问题</a:t>
-            </a:r>
-            <a:r>
-              <a:rPr lang="zh-CN" altLang="en-US" sz="2400" dirty="0">
-                <a:solidFill>
-                  <a:schemeClr val="tx2"/>
-                </a:solidFill>
-                <a:latin typeface="黑体" panose="02010609060101010101" pitchFamily="49" charset="-122"/>
-                <a:ea typeface="黑体" panose="02010609060101010101" pitchFamily="49" charset="-122"/>
-              </a:rPr>
-              <a:t>。</a:t>
-            </a:r>
-            <a:br>
-              <a:rPr lang="zh-CN" altLang="en-US" sz="2400" dirty="0">
-                <a:solidFill>
-                  <a:schemeClr val="tx2"/>
-                </a:solidFill>
-                <a:latin typeface="黑体" panose="02010609060101010101" pitchFamily="49" charset="-122"/>
-                <a:ea typeface="黑体" panose="02010609060101010101" pitchFamily="49" charset="-122"/>
-              </a:rPr>
-            </a:br>
-            <a:r>
-              <a:rPr lang="en-US" altLang="zh-CN" sz="2400" dirty="0">
-                <a:solidFill>
-                  <a:schemeClr val="tx2"/>
-                </a:solidFill>
-                <a:latin typeface="黑体" panose="02010609060101010101" pitchFamily="49" charset="-122"/>
-                <a:ea typeface="黑体" panose="02010609060101010101" pitchFamily="49" charset="-122"/>
-              </a:rPr>
-              <a:t>4.</a:t>
-            </a:r>
-            <a:r>
-              <a:rPr lang="zh-CN" altLang="en-US" sz="2400" dirty="0">
-                <a:solidFill>
-                  <a:schemeClr val="tx2"/>
-                </a:solidFill>
-                <a:latin typeface="黑体" panose="02010609060101010101" pitchFamily="49" charset="-122"/>
-                <a:ea typeface="黑体" panose="02010609060101010101" pitchFamily="49" charset="-122"/>
-              </a:rPr>
-              <a:t>研究</a:t>
-            </a:r>
-            <a:r>
-              <a:rPr lang="zh-CN" altLang="en-US" sz="2400" b="1" dirty="0">
-                <a:solidFill>
-                  <a:schemeClr val="tx2"/>
-                </a:solidFill>
-                <a:latin typeface="黑体" panose="02010609060101010101" pitchFamily="49" charset="-122"/>
-                <a:ea typeface="黑体" panose="02010609060101010101" pitchFamily="49" charset="-122"/>
-              </a:rPr>
-              <a:t>方法</a:t>
-            </a:r>
-            <a:r>
-              <a:rPr lang="zh-CN" altLang="en-US" sz="2400" dirty="0">
-                <a:solidFill>
-                  <a:schemeClr val="tx2"/>
-                </a:solidFill>
-                <a:latin typeface="黑体" panose="02010609060101010101" pitchFamily="49" charset="-122"/>
-                <a:ea typeface="黑体" panose="02010609060101010101" pitchFamily="49" charset="-122"/>
-              </a:rPr>
-              <a:t>和</a:t>
-            </a:r>
-            <a:r>
-              <a:rPr lang="zh-CN" altLang="en-US" sz="2400" b="1" dirty="0">
-                <a:solidFill>
-                  <a:schemeClr val="tx2"/>
-                </a:solidFill>
-                <a:latin typeface="黑体" panose="02010609060101010101" pitchFamily="49" charset="-122"/>
-                <a:ea typeface="黑体" panose="02010609060101010101" pitchFamily="49" charset="-122"/>
-              </a:rPr>
-              <a:t>结论</a:t>
-            </a:r>
-            <a:r>
-              <a:rPr lang="zh-CN" altLang="en-US" sz="2400" dirty="0">
-                <a:solidFill>
-                  <a:schemeClr val="tx2"/>
-                </a:solidFill>
-                <a:latin typeface="黑体" panose="02010609060101010101" pitchFamily="49" charset="-122"/>
-                <a:ea typeface="黑体" panose="02010609060101010101" pitchFamily="49" charset="-122"/>
-              </a:rPr>
-              <a:t>。</a:t>
-            </a:r>
-            <a:br>
-              <a:rPr lang="zh-CN" altLang="en-US" sz="2400" dirty="0">
-                <a:solidFill>
-                  <a:schemeClr val="tx2"/>
-                </a:solidFill>
-                <a:latin typeface="黑体" panose="02010609060101010101" pitchFamily="49" charset="-122"/>
-                <a:ea typeface="黑体" panose="02010609060101010101" pitchFamily="49" charset="-122"/>
-              </a:rPr>
-            </a:br>
-            <a:r>
-              <a:rPr lang="en-US" altLang="zh-CN" sz="2400" dirty="0">
-                <a:solidFill>
-                  <a:schemeClr val="tx2"/>
-                </a:solidFill>
-                <a:latin typeface="黑体" panose="02010609060101010101" pitchFamily="49" charset="-122"/>
-                <a:ea typeface="黑体" panose="02010609060101010101" pitchFamily="49" charset="-122"/>
-              </a:rPr>
-              <a:t>5.</a:t>
-            </a:r>
-            <a:r>
-              <a:rPr lang="zh-CN" altLang="en-US" sz="2400" dirty="0">
-                <a:solidFill>
-                  <a:schemeClr val="tx2"/>
-                </a:solidFill>
-                <a:latin typeface="黑体" panose="02010609060101010101" pitchFamily="49" charset="-122"/>
-                <a:ea typeface="黑体" panose="02010609060101010101" pitchFamily="49" charset="-122"/>
-              </a:rPr>
-              <a:t>最重要的，</a:t>
-            </a:r>
-            <a:r>
-              <a:rPr lang="zh-CN" altLang="en-US" sz="2400" b="1" dirty="0">
-                <a:solidFill>
-                  <a:schemeClr val="tx2"/>
-                </a:solidFill>
-                <a:latin typeface="黑体" panose="02010609060101010101" pitchFamily="49" charset="-122"/>
-                <a:ea typeface="黑体" panose="02010609060101010101" pitchFamily="49" charset="-122"/>
-              </a:rPr>
-              <a:t>创新性在哪</a:t>
-            </a:r>
-            <a:r>
-              <a:rPr lang="zh-CN" altLang="en-US" sz="2400" dirty="0">
-                <a:solidFill>
-                  <a:schemeClr val="tx2"/>
-                </a:solidFill>
-                <a:latin typeface="黑体" panose="02010609060101010101" pitchFamily="49" charset="-122"/>
-                <a:ea typeface="黑体" panose="02010609060101010101" pitchFamily="49" charset="-122"/>
-              </a:rPr>
-              <a:t>。</a:t>
-            </a:r>
-            <a:br>
-              <a:rPr lang="zh-CN" altLang="en-US" sz="2400" dirty="0">
-                <a:solidFill>
-                  <a:schemeClr val="tx2"/>
-                </a:solidFill>
-                <a:latin typeface="黑体" panose="02010609060101010101" pitchFamily="49" charset="-122"/>
-                <a:ea typeface="黑体" panose="02010609060101010101" pitchFamily="49" charset="-122"/>
-              </a:rPr>
-            </a:br>
-            <a:r>
-              <a:rPr lang="en-US" altLang="zh-CN" sz="2400" dirty="0">
-                <a:solidFill>
-                  <a:schemeClr val="tx2"/>
-                </a:solidFill>
-                <a:latin typeface="黑体" panose="02010609060101010101" pitchFamily="49" charset="-122"/>
-                <a:ea typeface="黑体" panose="02010609060101010101" pitchFamily="49" charset="-122"/>
-              </a:rPr>
-              <a:t>6.</a:t>
-            </a:r>
-            <a:r>
-              <a:rPr lang="zh-CN" altLang="en-US" sz="2400" dirty="0">
-                <a:solidFill>
-                  <a:schemeClr val="tx2"/>
-                </a:solidFill>
-                <a:latin typeface="黑体" panose="02010609060101010101" pitchFamily="49" charset="-122"/>
-                <a:ea typeface="黑体" panose="02010609060101010101" pitchFamily="49" charset="-122"/>
-              </a:rPr>
-              <a:t>方法是否存在不足？对自己有何</a:t>
-            </a:r>
-            <a:r>
-              <a:rPr lang="zh-CN" altLang="en-US" sz="2400" b="1" dirty="0">
-                <a:solidFill>
-                  <a:schemeClr val="tx2"/>
-                </a:solidFill>
-                <a:latin typeface="黑体" panose="02010609060101010101" pitchFamily="49" charset="-122"/>
-                <a:ea typeface="黑体" panose="02010609060101010101" pitchFamily="49" charset="-122"/>
-              </a:rPr>
-              <a:t>启发</a:t>
-            </a:r>
-            <a:r>
-              <a:rPr lang="zh-CN" altLang="en-US" sz="2400" dirty="0">
-                <a:solidFill>
-                  <a:schemeClr val="tx2"/>
-                </a:solidFill>
-                <a:latin typeface="黑体" panose="02010609060101010101" pitchFamily="49" charset="-122"/>
-                <a:ea typeface="黑体" panose="02010609060101010101" pitchFamily="49" charset="-122"/>
-              </a:rPr>
-              <a:t>？</a:t>
-            </a:r>
-          </a:p>
-        </p:txBody>
-      </p:sp>
+            <a:r>
+              <a:rPr lang="en-US" altLang="zh-CN" smtClean="0"/>
+              <a:t>time</a:t>
+            </a:r>
+            <a:endParaRPr lang="zh-CN" altLang="en-US"/>
+          </a:p>
+        </p:txBody>
+      </p:sp>
+      <mc:AlternateContent xmlns:mc="http://schemas.openxmlformats.org/markup-compatibility/2006" xmlns:a14="http://schemas.microsoft.com/office/drawing/2010/main">
+        <mc:Choice Requires="a14">
+          <p:sp>
+            <p:nvSpPr>
+              <p:cNvPr id="3" name="内容占位符 2"/>
+              <p:cNvSpPr>
+                <a:spLocks noGrp="1"/>
+              </p:cNvSpPr>
+              <p:nvPr>
+                <p:ph idx="1"/>
+              </p:nvPr>
+            </p:nvSpPr>
+            <p:spPr/>
+            <p:txBody>
+              <a:bodyPr>
+                <a:normAutofit/>
+              </a:bodyPr>
+              <a:lstStyle/>
+              <a:p>
+                <a:r>
+                  <a:rPr lang="zh-CN" altLang="en-US" sz="2400" dirty="0"/>
+                  <a:t>在实验中，当目标停留在一个位置并执行一个动作或手势时，我们</a:t>
+                </a:r>
+                <a:r>
+                  <a:rPr lang="zh-CN" altLang="en-US" sz="2400" dirty="0" smtClean="0">
+                    <a:solidFill>
+                      <a:srgbClr val="FF0000"/>
+                    </a:solidFill>
+                  </a:rPr>
+                  <a:t>记录数据的时间持续时间是</a:t>
+                </a:r>
+                <a14:m>
+                  <m:oMath xmlns:m="http://schemas.openxmlformats.org/officeDocument/2006/math">
+                    <m:r>
+                      <a:rPr lang="en-US" altLang="zh-CN" sz="2400" i="1" dirty="0" smtClean="0">
+                        <a:solidFill>
+                          <a:srgbClr val="FF0000"/>
+                        </a:solidFill>
+                        <a:latin typeface="Cambria Math" panose="02040503050406030204" pitchFamily="18" charset="0"/>
+                      </a:rPr>
+                      <m:t>4</m:t>
+                    </m:r>
+                    <m:r>
+                      <a:rPr lang="en-US" altLang="zh-CN" sz="2400" i="1" dirty="0" smtClean="0">
+                        <a:solidFill>
+                          <a:srgbClr val="FF0000"/>
+                        </a:solidFill>
+                        <a:latin typeface="Cambria Math" panose="02040503050406030204" pitchFamily="18" charset="0"/>
+                      </a:rPr>
+                      <m:t>𝑠</m:t>
+                    </m:r>
+                  </m:oMath>
+                </a14:m>
+                <a:r>
+                  <a:rPr lang="zh-CN" altLang="en-US" sz="2400" dirty="0" smtClean="0"/>
+                  <a:t>。在</a:t>
+                </a:r>
+                <a:r>
+                  <a:rPr lang="zh-CN" altLang="en-US" sz="2400" dirty="0"/>
+                  <a:t>这个持续时间内获得的链路测量值形成一组训练或</a:t>
+                </a:r>
+                <a:r>
+                  <a:rPr lang="zh-CN" altLang="en-US" sz="2400" dirty="0" smtClean="0"/>
+                  <a:t>测试。每个</a:t>
+                </a:r>
+                <a:r>
+                  <a:rPr lang="zh-CN" altLang="en-US" sz="2400" dirty="0"/>
+                  <a:t>节点发送一个数据包需要</a:t>
+                </a:r>
+                <a14:m>
+                  <m:oMath xmlns:m="http://schemas.openxmlformats.org/officeDocument/2006/math">
+                    <m:r>
+                      <a:rPr lang="en-US" altLang="zh-CN" sz="2400" i="1" dirty="0" smtClean="0">
+                        <a:latin typeface="Cambria Math" panose="02040503050406030204" pitchFamily="18" charset="0"/>
+                      </a:rPr>
+                      <m:t>3</m:t>
+                    </m:r>
+                    <m:r>
+                      <a:rPr lang="en-US" altLang="zh-CN" sz="2400" i="1" dirty="0" smtClean="0">
+                        <a:latin typeface="Cambria Math" panose="02040503050406030204" pitchFamily="18" charset="0"/>
+                      </a:rPr>
+                      <m:t>𝑚𝑠</m:t>
+                    </m:r>
+                  </m:oMath>
+                </a14:m>
+                <a:r>
+                  <a:rPr lang="zh-CN" altLang="en-US" sz="2400" dirty="0"/>
+                  <a:t>，完成一轮无线扫描需要</a:t>
+                </a:r>
+                <a14:m>
+                  <m:oMath xmlns:m="http://schemas.openxmlformats.org/officeDocument/2006/math">
+                    <m:r>
+                      <a:rPr lang="en-US" altLang="zh-CN" sz="2400" i="1" dirty="0" smtClean="0">
+                        <a:latin typeface="Cambria Math" panose="02040503050406030204" pitchFamily="18" charset="0"/>
+                      </a:rPr>
+                      <m:t>24 </m:t>
+                    </m:r>
+                    <m:r>
+                      <a:rPr lang="en-US" altLang="zh-CN" sz="2400" i="1" dirty="0" err="1">
+                        <a:latin typeface="Cambria Math" panose="02040503050406030204" pitchFamily="18" charset="0"/>
+                      </a:rPr>
+                      <m:t>𝑚𝑠</m:t>
+                    </m:r>
+                  </m:oMath>
+                </a14:m>
+                <a:r>
+                  <a:rPr lang="zh-CN" altLang="en-US" sz="2400" dirty="0" smtClean="0"/>
+                  <a:t>。</a:t>
+                </a:r>
+                <a:endParaRPr lang="en-US" altLang="zh-CN" sz="2400" dirty="0" smtClean="0"/>
+              </a:p>
+              <a:p>
+                <a:r>
+                  <a:rPr lang="zh-CN" altLang="en-US" sz="2400" dirty="0"/>
+                  <a:t>因此，网络的采样频率大约为</a:t>
+                </a:r>
+                <a14:m>
+                  <m:oMath xmlns:m="http://schemas.openxmlformats.org/officeDocument/2006/math">
+                    <m:r>
+                      <a:rPr lang="en-US" altLang="zh-CN" sz="2400" i="1" dirty="0" smtClean="0">
+                        <a:latin typeface="Cambria Math" panose="02040503050406030204" pitchFamily="18" charset="0"/>
+                      </a:rPr>
+                      <m:t>41.67</m:t>
+                    </m:r>
+                    <m:r>
+                      <a:rPr lang="en-US" altLang="zh-CN" sz="2400" i="1" dirty="0" smtClean="0">
+                        <a:latin typeface="Cambria Math" panose="02040503050406030204" pitchFamily="18" charset="0"/>
+                      </a:rPr>
+                      <m:t>𝐻𝑧</m:t>
+                    </m:r>
+                  </m:oMath>
+                </a14:m>
+                <a:r>
+                  <a:rPr lang="zh-CN" altLang="en-US" sz="2400" dirty="0"/>
+                  <a:t>，这对于大多数应用来说是足够的</a:t>
+                </a:r>
+                <a:r>
+                  <a:rPr lang="zh-CN" altLang="en-US" sz="2400" dirty="0" smtClean="0"/>
+                  <a:t>。</a:t>
+                </a:r>
+                <a:endParaRPr lang="en-US" altLang="zh-CN" sz="2400" dirty="0" smtClean="0"/>
+              </a:p>
+              <a:p>
+                <a:r>
+                  <a:rPr lang="zh-CN" altLang="en-US" sz="2400" dirty="0" smtClean="0"/>
+                  <a:t>在</a:t>
+                </a:r>
+                <a:r>
+                  <a:rPr lang="zh-CN" altLang="en-US" sz="2400" dirty="0"/>
+                  <a:t>这</a:t>
+                </a:r>
+                <a14:m>
+                  <m:oMath xmlns:m="http://schemas.openxmlformats.org/officeDocument/2006/math">
+                    <m:r>
+                      <a:rPr lang="en-US" altLang="zh-CN" sz="2400" i="1" dirty="0" smtClean="0">
+                        <a:latin typeface="Cambria Math" panose="02040503050406030204" pitchFamily="18" charset="0"/>
+                      </a:rPr>
+                      <m:t>4</m:t>
+                    </m:r>
+                    <m:r>
+                      <a:rPr lang="en-US" altLang="zh-CN" sz="2400" i="1" dirty="0" smtClean="0">
+                        <a:latin typeface="Cambria Math" panose="02040503050406030204" pitchFamily="18" charset="0"/>
+                      </a:rPr>
+                      <m:t>𝑠</m:t>
+                    </m:r>
+                  </m:oMath>
+                </a14:m>
+                <a:r>
+                  <a:rPr lang="zh-CN" altLang="en-US" sz="2400" dirty="0"/>
+                  <a:t>中获取的链路测量结果形成了一个训练集或测试集。对于在每个位置执行的每一个活动，我们</a:t>
+                </a:r>
+                <a:r>
+                  <a:rPr lang="zh-CN" altLang="en-US" sz="2400" dirty="0" smtClean="0"/>
+                  <a:t>记录</a:t>
+                </a:r>
+                <a14:m>
+                  <m:oMath xmlns:m="http://schemas.openxmlformats.org/officeDocument/2006/math">
+                    <m:r>
+                      <a:rPr lang="en-US" altLang="zh-CN" sz="2400" i="1" dirty="0" smtClean="0">
+                        <a:latin typeface="Cambria Math" panose="02040503050406030204" pitchFamily="18" charset="0"/>
+                      </a:rPr>
+                      <m:t>6</m:t>
+                    </m:r>
+                  </m:oMath>
+                </a14:m>
+                <a:r>
+                  <a:rPr lang="zh-CN" altLang="en-US" sz="2400" dirty="0" smtClean="0"/>
+                  <a:t>个</a:t>
+                </a:r>
+                <a:r>
+                  <a:rPr lang="zh-CN" altLang="en-US" sz="2400" dirty="0"/>
+                  <a:t>训练集以丰富训练信息。在测试性能时，我们</a:t>
+                </a:r>
+                <a:r>
+                  <a:rPr lang="zh-CN" altLang="en-US" sz="2400" dirty="0" smtClean="0"/>
+                  <a:t>使用</a:t>
+                </a:r>
+                <a14:m>
+                  <m:oMath xmlns:m="http://schemas.openxmlformats.org/officeDocument/2006/math">
+                    <m:r>
+                      <a:rPr lang="en-US" altLang="zh-CN" sz="2400" i="1" dirty="0" smtClean="0">
+                        <a:latin typeface="Cambria Math" panose="02040503050406030204" pitchFamily="18" charset="0"/>
+                      </a:rPr>
+                      <m:t>5</m:t>
+                    </m:r>
+                  </m:oMath>
+                </a14:m>
+                <a:r>
+                  <a:rPr lang="zh-CN" altLang="en-US" sz="2400" dirty="0" smtClean="0"/>
+                  <a:t>个</a:t>
+                </a:r>
+                <a:r>
+                  <a:rPr lang="zh-CN" altLang="en-US" sz="2400" dirty="0"/>
+                  <a:t>测试集对在每个位置执行的每个活动或手势进行测试</a:t>
+                </a:r>
+                <a:r>
+                  <a:rPr lang="zh-CN" altLang="en-US" sz="2400" dirty="0" smtClean="0"/>
+                  <a:t>。</a:t>
+                </a:r>
+                <a:endParaRPr lang="en-US" altLang="zh-CN" sz="2400" dirty="0" smtClean="0"/>
+              </a:p>
+              <a:p>
+                <a:r>
+                  <a:rPr lang="zh-CN" altLang="en-US" sz="2400" dirty="0"/>
+                  <a:t>当估计的</a:t>
+                </a:r>
+                <a:r>
+                  <a:rPr lang="zh-CN" altLang="en-US" sz="2400" dirty="0">
+                    <a:solidFill>
+                      <a:srgbClr val="FF0000"/>
+                    </a:solidFill>
+                  </a:rPr>
+                  <a:t>位置和活动或姿态都正确</a:t>
+                </a:r>
+                <a:r>
+                  <a:rPr lang="zh-CN" altLang="en-US" sz="2400" dirty="0"/>
+                  <a:t>时，系统</a:t>
+                </a:r>
+                <a:r>
+                  <a:rPr lang="zh-CN" altLang="en-US" sz="2400" dirty="0" smtClean="0"/>
+                  <a:t>才算</a:t>
+                </a:r>
+                <a:r>
+                  <a:rPr lang="zh-CN" altLang="en-US" sz="2400" dirty="0" smtClean="0">
+                    <a:solidFill>
+                      <a:srgbClr val="FF0000"/>
+                    </a:solidFill>
+                  </a:rPr>
+                  <a:t>正确</a:t>
+                </a:r>
+                <a:r>
+                  <a:rPr lang="zh-CN" altLang="en-US" sz="2400" dirty="0">
+                    <a:solidFill>
+                      <a:srgbClr val="FF0000"/>
+                    </a:solidFill>
+                  </a:rPr>
+                  <a:t>地识别目标状态</a:t>
+                </a:r>
+                <a:r>
+                  <a:rPr lang="zh-CN" altLang="en-US" sz="2400" dirty="0"/>
+                  <a:t>。我们使用</a:t>
+                </a:r>
+                <a:r>
+                  <a:rPr lang="zh-CN" altLang="en-US" sz="2400" dirty="0">
+                    <a:solidFill>
+                      <a:srgbClr val="FF0000"/>
+                    </a:solidFill>
+                  </a:rPr>
+                  <a:t>正确估计的状态数占测试状态总数的百分比</a:t>
+                </a:r>
+                <a:r>
+                  <a:rPr lang="zh-CN" altLang="en-US" sz="2400" dirty="0"/>
+                  <a:t>作为评估方案的准确性度量。</a:t>
+                </a:r>
+              </a:p>
+            </p:txBody>
+          </p:sp>
+        </mc:Choice>
+        <mc:Fallback xmlns="">
+          <p:sp>
+            <p:nvSpPr>
+              <p:cNvPr id="3" name="内容占位符 2"/>
+              <p:cNvSpPr>
+                <a:spLocks noGrp="1" noRot="1" noChangeAspect="1" noMove="1" noResize="1" noEditPoints="1" noAdjustHandles="1" noChangeArrowheads="1" noChangeShapeType="1" noTextEdit="1"/>
+              </p:cNvSpPr>
+              <p:nvPr>
+                <p:ph idx="1"/>
+              </p:nvPr>
+            </p:nvSpPr>
+            <p:spPr>
+              <a:blipFill rotWithShape="0">
+                <a:blip r:embed="rId2"/>
+                <a:stretch>
+                  <a:fillRect l="-812" t="-1961" r="-3362"/>
+                </a:stretch>
+              </a:blipFill>
+            </p:spPr>
+            <p:txBody>
+              <a:bodyPr/>
+              <a:lstStyle/>
+              <a:p>
+                <a:r>
+                  <a:rPr lang="zh-CN" altLang="en-US">
+                    <a:noFill/>
+                  </a:rPr>
+                  <a:t> </a:t>
+                </a:r>
+              </a:p>
+            </p:txBody>
+          </p:sp>
+        </mc:Fallback>
+      </mc:AlternateContent>
     </p:spTree>
     <p:extLst>
       <p:ext uri="{BB962C8B-B14F-4D97-AF65-F5344CB8AC3E}">
-        <p14:creationId xmlns:p14="http://schemas.microsoft.com/office/powerpoint/2010/main" val="2710621006"/>
+        <p14:creationId xmlns:p14="http://schemas.microsoft.com/office/powerpoint/2010/main" val="926404780"/>
       </p:ext>
     </p:extLst>
   </p:cSld>
   <p:clrMapOvr>
     <a:masterClrMapping/>
   </p:clrMapOvr>
-  <mc:AlternateContent xmlns:mc="http://schemas.openxmlformats.org/markup-compatibility/2006" xmlns:p14="http://schemas.microsoft.com/office/powerpoint/2010/main">
-    <mc:Choice Requires="p14">
-      <p:transition spd="slow" p14:dur="2000"/>
-    </mc:Choice>
-    <mc:Fallback xmlns="">
-      <p:transition spd="slow"/>
-    </mc:Fallback>
-  </mc:AlternateContent>
+  <p:timing>
+    <p:tnLst>
+      <p:par>
+        <p:cTn id="1" dur="indefinite" restart="never" nodeType="tmRoot"/>
+      </p:par>
+    </p:tnLst>
+  </p:timing>
+</p:sld>
+</file>
+
+<file path=ppt/slides/slide2.xml><?xml version="1.0" encoding="utf-8"?>
+<p:sld xmlns:a="http://schemas.openxmlformats.org/drawingml/2006/main" xmlns:r="http://schemas.openxmlformats.org/officeDocument/2006/relationships" xmlns:p="http://schemas.openxmlformats.org/presentationml/2006/main">
+  <p:cSld>
+    <p:spTree>
+      <p:nvGrpSpPr>
+        <p:cNvPr id="1" name=""/>
+        <p:cNvGrpSpPr/>
+        <p:nvPr/>
+      </p:nvGrpSpPr>
+      <p:grpSpPr>
+        <a:xfrm>
+          <a:off x="0" y="0"/>
+          <a:ext cx="0" cy="0"/>
+          <a:chOff x="0" y="0"/>
+          <a:chExt cx="0" cy="0"/>
+        </a:xfrm>
+      </p:grpSpPr>
+      <p:sp>
+        <p:nvSpPr>
+          <p:cNvPr id="2" name="标题 1"/>
+          <p:cNvSpPr>
+            <a:spLocks noGrp="1"/>
+          </p:cNvSpPr>
+          <p:nvPr>
+            <p:ph type="title"/>
+          </p:nvPr>
+        </p:nvSpPr>
+        <p:spPr/>
+        <p:txBody>
+          <a:bodyPr/>
+          <a:lstStyle/>
+          <a:p>
+            <a:r>
+              <a:rPr lang="en-US" altLang="zh-CN" dirty="0" smtClean="0"/>
+              <a:t>DFLAR</a:t>
+            </a:r>
+            <a:endParaRPr lang="zh-CN" altLang="en-US" dirty="0"/>
+          </a:p>
+        </p:txBody>
+      </p:sp>
+      <p:sp>
+        <p:nvSpPr>
+          <p:cNvPr id="3" name="内容占位符 2"/>
+          <p:cNvSpPr>
+            <a:spLocks noGrp="1"/>
+          </p:cNvSpPr>
+          <p:nvPr>
+            <p:ph idx="1"/>
+          </p:nvPr>
+        </p:nvSpPr>
+        <p:spPr/>
+        <p:txBody>
+          <a:bodyPr/>
+          <a:lstStyle/>
+          <a:p>
+            <a:r>
+              <a:rPr lang="en-US" altLang="zh-CN" dirty="0"/>
+              <a:t>Device-free wireless localization and activity </a:t>
+            </a:r>
+            <a:r>
+              <a:rPr lang="en-US" altLang="zh-CN" dirty="0" smtClean="0"/>
+              <a:t>recognition</a:t>
+            </a:r>
+          </a:p>
+          <a:p>
+            <a:r>
+              <a:rPr lang="en-US" altLang="zh-CN" dirty="0" smtClean="0"/>
+              <a:t>A </a:t>
+            </a:r>
+            <a:r>
+              <a:rPr lang="en-US" altLang="zh-CN" dirty="0"/>
+              <a:t>new technique, which could estimate the location and activity of a target by analyzing its shadowing </a:t>
+            </a:r>
+            <a:r>
+              <a:rPr lang="en-US" altLang="zh-CN" dirty="0" smtClean="0"/>
+              <a:t>effect on </a:t>
+            </a:r>
+            <a:r>
+              <a:rPr lang="en-US" altLang="zh-CN" dirty="0"/>
+              <a:t>surrounding wireless </a:t>
+            </a:r>
+            <a:r>
+              <a:rPr lang="en-US" altLang="zh-CN" dirty="0" smtClean="0"/>
+              <a:t>links.</a:t>
+            </a:r>
+          </a:p>
+          <a:p>
+            <a:r>
+              <a:rPr lang="en-US" altLang="zh-CN" dirty="0" smtClean="0"/>
+              <a:t>This </a:t>
+            </a:r>
+            <a:r>
+              <a:rPr lang="en-US" altLang="zh-CN" dirty="0"/>
+              <a:t>technique neither requires </a:t>
+            </a:r>
+            <a:r>
+              <a:rPr lang="en-US" altLang="zh-CN" dirty="0" smtClean="0"/>
+              <a:t>the target </a:t>
+            </a:r>
+            <a:r>
+              <a:rPr lang="en-US" altLang="zh-CN" dirty="0"/>
+              <a:t>to be equipped with any device nor involves privacy concerns, which makes it an attractive and promising technique </a:t>
+            </a:r>
+            <a:r>
+              <a:rPr lang="en-US" altLang="zh-CN" dirty="0" smtClean="0"/>
+              <a:t>for many </a:t>
+            </a:r>
+            <a:r>
+              <a:rPr lang="en-US" altLang="zh-CN" dirty="0"/>
+              <a:t>emerging smart applications. </a:t>
+            </a:r>
+            <a:endParaRPr lang="zh-CN" altLang="en-US" dirty="0"/>
+          </a:p>
+        </p:txBody>
+      </p:sp>
+    </p:spTree>
+    <p:extLst>
+      <p:ext uri="{BB962C8B-B14F-4D97-AF65-F5344CB8AC3E}">
+        <p14:creationId xmlns:p14="http://schemas.microsoft.com/office/powerpoint/2010/main" val="2567861160"/>
+      </p:ext>
+    </p:extLst>
+  </p:cSld>
+  <p:clrMapOvr>
+    <a:masterClrMapping/>
+  </p:clrMapOvr>
   <p:timing>
     <p:tnLst>
       <p:par>
@@ -8476,378 +8326,6 @@
           <a:lstStyle/>
           <a:p>
             <a:r>
-              <a:rPr lang="en-US" altLang="zh-CN" smtClean="0"/>
-              <a:t>time</a:t>
-            </a:r>
-            <a:endParaRPr lang="zh-CN" altLang="en-US"/>
-          </a:p>
-        </p:txBody>
-      </p:sp>
-      <mc:AlternateContent xmlns:mc="http://schemas.openxmlformats.org/markup-compatibility/2006" xmlns:a14="http://schemas.microsoft.com/office/drawing/2010/main">
-        <mc:Choice Requires="a14">
-          <p:sp>
-            <p:nvSpPr>
-              <p:cNvPr id="3" name="内容占位符 2"/>
-              <p:cNvSpPr>
-                <a:spLocks noGrp="1"/>
-              </p:cNvSpPr>
-              <p:nvPr>
-                <p:ph idx="1"/>
-              </p:nvPr>
-            </p:nvSpPr>
-            <p:spPr/>
-            <p:txBody>
-              <a:bodyPr>
-                <a:normAutofit/>
-              </a:bodyPr>
-              <a:lstStyle/>
-              <a:p>
-                <a:r>
-                  <a:rPr lang="zh-CN" altLang="en-US" sz="2400" dirty="0"/>
-                  <a:t>在实验中，当目标停留在一个位置并执行一个动作或手势时，我们</a:t>
-                </a:r>
-                <a:r>
-                  <a:rPr lang="zh-CN" altLang="en-US" sz="2400" dirty="0" smtClean="0">
-                    <a:solidFill>
-                      <a:srgbClr val="FF0000"/>
-                    </a:solidFill>
-                  </a:rPr>
-                  <a:t>记录数据的时间持续时间是</a:t>
-                </a:r>
-                <a14:m>
-                  <m:oMath xmlns:m="http://schemas.openxmlformats.org/officeDocument/2006/math">
-                    <m:r>
-                      <a:rPr lang="en-US" altLang="zh-CN" sz="2400" i="1" dirty="0" smtClean="0">
-                        <a:solidFill>
-                          <a:srgbClr val="FF0000"/>
-                        </a:solidFill>
-                        <a:latin typeface="Cambria Math" panose="02040503050406030204" pitchFamily="18" charset="0"/>
-                      </a:rPr>
-                      <m:t>4</m:t>
-                    </m:r>
-                    <m:r>
-                      <a:rPr lang="en-US" altLang="zh-CN" sz="2400" i="1" dirty="0" smtClean="0">
-                        <a:solidFill>
-                          <a:srgbClr val="FF0000"/>
-                        </a:solidFill>
-                        <a:latin typeface="Cambria Math" panose="02040503050406030204" pitchFamily="18" charset="0"/>
-                      </a:rPr>
-                      <m:t>𝑠</m:t>
-                    </m:r>
-                  </m:oMath>
-                </a14:m>
-                <a:r>
-                  <a:rPr lang="zh-CN" altLang="en-US" sz="2400" dirty="0" smtClean="0"/>
-                  <a:t>。在</a:t>
-                </a:r>
-                <a:r>
-                  <a:rPr lang="zh-CN" altLang="en-US" sz="2400" dirty="0"/>
-                  <a:t>这个持续时间内获得的链路测量值形成一组训练或</a:t>
-                </a:r>
-                <a:r>
-                  <a:rPr lang="zh-CN" altLang="en-US" sz="2400" dirty="0" smtClean="0"/>
-                  <a:t>测试。每个</a:t>
-                </a:r>
-                <a:r>
-                  <a:rPr lang="zh-CN" altLang="en-US" sz="2400" dirty="0"/>
-                  <a:t>节点发送一个数据包需要</a:t>
-                </a:r>
-                <a14:m>
-                  <m:oMath xmlns:m="http://schemas.openxmlformats.org/officeDocument/2006/math">
-                    <m:r>
-                      <a:rPr lang="en-US" altLang="zh-CN" sz="2400" i="1" dirty="0" smtClean="0">
-                        <a:latin typeface="Cambria Math" panose="02040503050406030204" pitchFamily="18" charset="0"/>
-                      </a:rPr>
-                      <m:t>3</m:t>
-                    </m:r>
-                    <m:r>
-                      <a:rPr lang="en-US" altLang="zh-CN" sz="2400" i="1" dirty="0" smtClean="0">
-                        <a:latin typeface="Cambria Math" panose="02040503050406030204" pitchFamily="18" charset="0"/>
-                      </a:rPr>
-                      <m:t>𝑚𝑠</m:t>
-                    </m:r>
-                  </m:oMath>
-                </a14:m>
-                <a:r>
-                  <a:rPr lang="zh-CN" altLang="en-US" sz="2400" dirty="0"/>
-                  <a:t>，完成一轮无线扫描需要</a:t>
-                </a:r>
-                <a14:m>
-                  <m:oMath xmlns:m="http://schemas.openxmlformats.org/officeDocument/2006/math">
-                    <m:r>
-                      <a:rPr lang="en-US" altLang="zh-CN" sz="2400" i="1" dirty="0" smtClean="0">
-                        <a:latin typeface="Cambria Math" panose="02040503050406030204" pitchFamily="18" charset="0"/>
-                      </a:rPr>
-                      <m:t>24 </m:t>
-                    </m:r>
-                    <m:r>
-                      <a:rPr lang="en-US" altLang="zh-CN" sz="2400" i="1" dirty="0" err="1">
-                        <a:latin typeface="Cambria Math" panose="02040503050406030204" pitchFamily="18" charset="0"/>
-                      </a:rPr>
-                      <m:t>𝑚𝑠</m:t>
-                    </m:r>
-                  </m:oMath>
-                </a14:m>
-                <a:r>
-                  <a:rPr lang="zh-CN" altLang="en-US" sz="2400" dirty="0" smtClean="0"/>
-                  <a:t>。</a:t>
-                </a:r>
-                <a:endParaRPr lang="en-US" altLang="zh-CN" sz="2400" dirty="0" smtClean="0"/>
-              </a:p>
-              <a:p>
-                <a:r>
-                  <a:rPr lang="zh-CN" altLang="en-US" sz="2400" dirty="0"/>
-                  <a:t>因此，网络的采样频率大约为</a:t>
-                </a:r>
-                <a14:m>
-                  <m:oMath xmlns:m="http://schemas.openxmlformats.org/officeDocument/2006/math">
-                    <m:r>
-                      <a:rPr lang="en-US" altLang="zh-CN" sz="2400" i="1" dirty="0" smtClean="0">
-                        <a:latin typeface="Cambria Math" panose="02040503050406030204" pitchFamily="18" charset="0"/>
-                      </a:rPr>
-                      <m:t>41.67</m:t>
-                    </m:r>
-                    <m:r>
-                      <a:rPr lang="en-US" altLang="zh-CN" sz="2400" i="1" dirty="0" smtClean="0">
-                        <a:latin typeface="Cambria Math" panose="02040503050406030204" pitchFamily="18" charset="0"/>
-                      </a:rPr>
-                      <m:t>𝐻𝑧</m:t>
-                    </m:r>
-                  </m:oMath>
-                </a14:m>
-                <a:r>
-                  <a:rPr lang="zh-CN" altLang="en-US" sz="2400" dirty="0"/>
-                  <a:t>，这对于大多数应用来说是足够的</a:t>
-                </a:r>
-                <a:r>
-                  <a:rPr lang="zh-CN" altLang="en-US" sz="2400" dirty="0" smtClean="0"/>
-                  <a:t>。</a:t>
-                </a:r>
-                <a:endParaRPr lang="en-US" altLang="zh-CN" sz="2400" dirty="0" smtClean="0"/>
-              </a:p>
-              <a:p>
-                <a:r>
-                  <a:rPr lang="zh-CN" altLang="en-US" sz="2400" dirty="0" smtClean="0"/>
-                  <a:t>在</a:t>
-                </a:r>
-                <a:r>
-                  <a:rPr lang="zh-CN" altLang="en-US" sz="2400" dirty="0"/>
-                  <a:t>这</a:t>
-                </a:r>
-                <a14:m>
-                  <m:oMath xmlns:m="http://schemas.openxmlformats.org/officeDocument/2006/math">
-                    <m:r>
-                      <a:rPr lang="en-US" altLang="zh-CN" sz="2400" i="1" dirty="0" smtClean="0">
-                        <a:latin typeface="Cambria Math" panose="02040503050406030204" pitchFamily="18" charset="0"/>
-                      </a:rPr>
-                      <m:t>4</m:t>
-                    </m:r>
-                    <m:r>
-                      <a:rPr lang="en-US" altLang="zh-CN" sz="2400" i="1" dirty="0" smtClean="0">
-                        <a:latin typeface="Cambria Math" panose="02040503050406030204" pitchFamily="18" charset="0"/>
-                      </a:rPr>
-                      <m:t>𝑠</m:t>
-                    </m:r>
-                  </m:oMath>
-                </a14:m>
-                <a:r>
-                  <a:rPr lang="zh-CN" altLang="en-US" sz="2400" dirty="0"/>
-                  <a:t>中获取的链路测量结果形成了一个训练集或测试集。对于在每个位置执行的每一个活动，我们</a:t>
-                </a:r>
-                <a:r>
-                  <a:rPr lang="zh-CN" altLang="en-US" sz="2400" dirty="0" smtClean="0"/>
-                  <a:t>记录</a:t>
-                </a:r>
-                <a14:m>
-                  <m:oMath xmlns:m="http://schemas.openxmlformats.org/officeDocument/2006/math">
-                    <m:r>
-                      <a:rPr lang="en-US" altLang="zh-CN" sz="2400" i="1" dirty="0" smtClean="0">
-                        <a:latin typeface="Cambria Math" panose="02040503050406030204" pitchFamily="18" charset="0"/>
-                      </a:rPr>
-                      <m:t>6</m:t>
-                    </m:r>
-                  </m:oMath>
-                </a14:m>
-                <a:r>
-                  <a:rPr lang="zh-CN" altLang="en-US" sz="2400" dirty="0" smtClean="0"/>
-                  <a:t>个</a:t>
-                </a:r>
-                <a:r>
-                  <a:rPr lang="zh-CN" altLang="en-US" sz="2400" dirty="0"/>
-                  <a:t>训练集以丰富训练信息。在测试性能时，我们</a:t>
-                </a:r>
-                <a:r>
-                  <a:rPr lang="zh-CN" altLang="en-US" sz="2400" dirty="0" smtClean="0"/>
-                  <a:t>使用</a:t>
-                </a:r>
-                <a14:m>
-                  <m:oMath xmlns:m="http://schemas.openxmlformats.org/officeDocument/2006/math">
-                    <m:r>
-                      <a:rPr lang="en-US" altLang="zh-CN" sz="2400" i="1" dirty="0" smtClean="0">
-                        <a:latin typeface="Cambria Math" panose="02040503050406030204" pitchFamily="18" charset="0"/>
-                      </a:rPr>
-                      <m:t>5</m:t>
-                    </m:r>
-                  </m:oMath>
-                </a14:m>
-                <a:r>
-                  <a:rPr lang="zh-CN" altLang="en-US" sz="2400" dirty="0" smtClean="0"/>
-                  <a:t>个</a:t>
-                </a:r>
-                <a:r>
-                  <a:rPr lang="zh-CN" altLang="en-US" sz="2400" dirty="0"/>
-                  <a:t>测试集对在每个位置执行的每个活动或手势进行测试</a:t>
-                </a:r>
-                <a:r>
-                  <a:rPr lang="zh-CN" altLang="en-US" sz="2400" dirty="0" smtClean="0"/>
-                  <a:t>。</a:t>
-                </a:r>
-                <a:endParaRPr lang="en-US" altLang="zh-CN" sz="2400" dirty="0" smtClean="0"/>
-              </a:p>
-              <a:p>
-                <a:r>
-                  <a:rPr lang="zh-CN" altLang="en-US" sz="2400" dirty="0"/>
-                  <a:t>当估计的</a:t>
-                </a:r>
-                <a:r>
-                  <a:rPr lang="zh-CN" altLang="en-US" sz="2400" dirty="0">
-                    <a:solidFill>
-                      <a:srgbClr val="FF0000"/>
-                    </a:solidFill>
-                  </a:rPr>
-                  <a:t>位置和活动或姿态都正确</a:t>
-                </a:r>
-                <a:r>
-                  <a:rPr lang="zh-CN" altLang="en-US" sz="2400" dirty="0"/>
-                  <a:t>时，系统</a:t>
-                </a:r>
-                <a:r>
-                  <a:rPr lang="zh-CN" altLang="en-US" sz="2400" dirty="0" smtClean="0"/>
-                  <a:t>才算</a:t>
-                </a:r>
-                <a:r>
-                  <a:rPr lang="zh-CN" altLang="en-US" sz="2400" dirty="0" smtClean="0">
-                    <a:solidFill>
-                      <a:srgbClr val="FF0000"/>
-                    </a:solidFill>
-                  </a:rPr>
-                  <a:t>正确</a:t>
-                </a:r>
-                <a:r>
-                  <a:rPr lang="zh-CN" altLang="en-US" sz="2400" dirty="0">
-                    <a:solidFill>
-                      <a:srgbClr val="FF0000"/>
-                    </a:solidFill>
-                  </a:rPr>
-                  <a:t>地识别目标状态</a:t>
-                </a:r>
-                <a:r>
-                  <a:rPr lang="zh-CN" altLang="en-US" sz="2400" dirty="0"/>
-                  <a:t>。我们使用</a:t>
-                </a:r>
-                <a:r>
-                  <a:rPr lang="zh-CN" altLang="en-US" sz="2400" dirty="0">
-                    <a:solidFill>
-                      <a:srgbClr val="FF0000"/>
-                    </a:solidFill>
-                  </a:rPr>
-                  <a:t>正确估计的状态数占测试状态总数的百分比</a:t>
-                </a:r>
-                <a:r>
-                  <a:rPr lang="zh-CN" altLang="en-US" sz="2400" dirty="0"/>
-                  <a:t>作为评估方案的准确性度量。</a:t>
-                </a:r>
-              </a:p>
-            </p:txBody>
-          </p:sp>
-        </mc:Choice>
-        <mc:Fallback xmlns="">
-          <p:sp>
-            <p:nvSpPr>
-              <p:cNvPr id="3" name="内容占位符 2"/>
-              <p:cNvSpPr>
-                <a:spLocks noGrp="1" noRot="1" noChangeAspect="1" noMove="1" noResize="1" noEditPoints="1" noAdjustHandles="1" noChangeArrowheads="1" noChangeShapeType="1" noTextEdit="1"/>
-              </p:cNvSpPr>
-              <p:nvPr>
-                <p:ph idx="1"/>
-              </p:nvPr>
-            </p:nvSpPr>
-            <p:spPr>
-              <a:blipFill rotWithShape="0">
-                <a:blip r:embed="rId2"/>
-                <a:stretch>
-                  <a:fillRect l="-812" t="-1961" r="-3362"/>
-                </a:stretch>
-              </a:blipFill>
-            </p:spPr>
-            <p:txBody>
-              <a:bodyPr/>
-              <a:lstStyle/>
-              <a:p>
-                <a:r>
-                  <a:rPr lang="zh-CN" altLang="en-US">
-                    <a:noFill/>
-                  </a:rPr>
-                  <a:t> </a:t>
-                </a:r>
-              </a:p>
-            </p:txBody>
-          </p:sp>
-        </mc:Fallback>
-      </mc:AlternateContent>
-    </p:spTree>
-    <p:extLst>
-      <p:ext uri="{BB962C8B-B14F-4D97-AF65-F5344CB8AC3E}">
-        <p14:creationId xmlns:p14="http://schemas.microsoft.com/office/powerpoint/2010/main" val="926404780"/>
-      </p:ext>
-    </p:extLst>
-  </p:cSld>
-  <p:clrMapOvr>
-    <a:masterClrMapping/>
-  </p:clrMapOvr>
-  <p:timing>
-    <p:tnLst>
-      <p:par>
-        <p:cTn id="1" dur="indefinite" restart="never" nodeType="tmRoot"/>
-      </p:par>
-    </p:tnLst>
-  </p:timing>
-</p:sld>
-</file>
-
-<file path=ppt/slides/slide21.xml><?xml version="1.0" encoding="utf-8"?>
-<p:sld xmlns:a="http://schemas.openxmlformats.org/drawingml/2006/main" xmlns:r="http://schemas.openxmlformats.org/officeDocument/2006/relationships" xmlns:p="http://schemas.openxmlformats.org/presentationml/2006/main">
-  <p:cSld>
-    <p:spTree>
-      <p:nvGrpSpPr>
-        <p:cNvPr id="1" name=""/>
-        <p:cNvGrpSpPr/>
-        <p:nvPr/>
-      </p:nvGrpSpPr>
-      <p:grpSpPr>
-        <a:xfrm>
-          <a:off x="0" y="0"/>
-          <a:ext cx="0" cy="0"/>
-          <a:chOff x="0" y="0"/>
-          <a:chExt cx="0" cy="0"/>
-        </a:xfrm>
-      </p:grpSpPr>
-      <p:sp>
-        <p:nvSpPr>
-          <p:cNvPr id="2" name="标题 1"/>
-          <p:cNvSpPr>
-            <a:spLocks noGrp="1"/>
-          </p:cNvSpPr>
-          <p:nvPr>
-            <p:ph type="title"/>
-          </p:nvPr>
-        </p:nvSpPr>
-        <p:spPr/>
-        <p:txBody>
-          <a:bodyPr/>
-          <a:lstStyle/>
-          <a:p>
-            <a:r>
               <a:rPr lang="en-US" altLang="zh-CN" i="1" dirty="0"/>
               <a:t>Performance Comparison</a:t>
             </a:r>
@@ -9060,7 +8538,7 @@
 </p:sld>
 </file>
 
-<file path=ppt/slides/slide22.xml><?xml version="1.0" encoding="utf-8"?>
+<file path=ppt/slides/slide21.xml><?xml version="1.0" encoding="utf-8"?>
 <p:sld xmlns:a="http://schemas.openxmlformats.org/drawingml/2006/main" xmlns:r="http://schemas.openxmlformats.org/officeDocument/2006/relationships" xmlns:p="http://schemas.openxmlformats.org/presentationml/2006/main">
   <p:cSld>
     <p:spTree>
@@ -9159,7 +8637,7 @@
 </p:sld>
 </file>
 
-<file path=ppt/slides/slide23.xml><?xml version="1.0" encoding="utf-8"?>
+<file path=ppt/slides/slide22.xml><?xml version="1.0" encoding="utf-8"?>
 <p:sld xmlns:a="http://schemas.openxmlformats.org/drawingml/2006/main" xmlns:r="http://schemas.openxmlformats.org/officeDocument/2006/relationships" xmlns:p="http://schemas.openxmlformats.org/presentationml/2006/main">
   <p:cSld>
     <p:spTree>
@@ -9289,7 +8767,7 @@
 </p:sld>
 </file>
 
-<file path=ppt/slides/slide24.xml><?xml version="1.0" encoding="utf-8"?>
+<file path=ppt/slides/slide23.xml><?xml version="1.0" encoding="utf-8"?>
 <p:sld xmlns:a="http://schemas.openxmlformats.org/drawingml/2006/main" xmlns:r="http://schemas.openxmlformats.org/officeDocument/2006/relationships" xmlns:p="http://schemas.openxmlformats.org/presentationml/2006/main">
   <p:cSld>
     <p:spTree>
@@ -9463,7 +8941,7 @@
 </p:sld>
 </file>
 
-<file path=ppt/slides/slide25.xml><?xml version="1.0" encoding="utf-8"?>
+<file path=ppt/slides/slide24.xml><?xml version="1.0" encoding="utf-8"?>
 <p:sld xmlns:a="http://schemas.openxmlformats.org/drawingml/2006/main" xmlns:r="http://schemas.openxmlformats.org/officeDocument/2006/relationships" xmlns:p="http://schemas.openxmlformats.org/presentationml/2006/main">
   <p:cSld>
     <p:spTree>
@@ -9950,7 +9428,7 @@
 </p:sld>
 </file>
 
-<file path=ppt/slides/slide26.xml><?xml version="1.0" encoding="utf-8"?>
+<file path=ppt/slides/slide25.xml><?xml version="1.0" encoding="utf-8"?>
 <p:sld xmlns:a="http://schemas.openxmlformats.org/drawingml/2006/main" xmlns:r="http://schemas.openxmlformats.org/officeDocument/2006/relationships" xmlns:p="http://schemas.openxmlformats.org/presentationml/2006/main">
   <p:cSld>
     <p:spTree>
@@ -10133,7 +9611,7 @@
 </p:sld>
 </file>
 
-<file path=ppt/slides/slide27.xml><?xml version="1.0" encoding="utf-8"?>
+<file path=ppt/slides/slide26.xml><?xml version="1.0" encoding="utf-8"?>
 <p:sld xmlns:a="http://schemas.openxmlformats.org/drawingml/2006/main" xmlns:r="http://schemas.openxmlformats.org/officeDocument/2006/relationships" xmlns:p="http://schemas.openxmlformats.org/presentationml/2006/main">
   <p:cSld>
     <p:spTree>
@@ -10258,7 +9736,7 @@
 </p:sld>
 </file>
 
-<file path=ppt/slides/slide28.xml><?xml version="1.0" encoding="utf-8"?>
+<file path=ppt/slides/slide27.xml><?xml version="1.0" encoding="utf-8"?>
 <p:sld xmlns:a="http://schemas.openxmlformats.org/drawingml/2006/main" xmlns:r="http://schemas.openxmlformats.org/officeDocument/2006/relationships" xmlns:p="http://schemas.openxmlformats.org/presentationml/2006/main">
   <p:cSld>
     <p:spTree>
@@ -10330,11 +9808,39 @@
             </a:r>
             <a:r>
               <a:rPr lang="zh-CN" altLang="en-US" dirty="0" smtClean="0"/>
-              <a:t>，例如：怎样同时</a:t>
+              <a:t>，例如：怎样</a:t>
+            </a:r>
+            <a:r>
+              <a:rPr lang="zh-CN" altLang="en-US" dirty="0" smtClean="0">
+                <a:solidFill>
+                  <a:srgbClr val="FF0000"/>
+                </a:solidFill>
+              </a:rPr>
+              <a:t>同时</a:t>
+            </a:r>
+            <a:r>
+              <a:rPr lang="zh-CN" altLang="en-US" dirty="0">
+                <a:solidFill>
+                  <a:srgbClr val="FF0000"/>
+                </a:solidFill>
+              </a:rPr>
+              <a:t>实现多目标定位、活动识别、手势识别</a:t>
             </a:r>
             <a:r>
               <a:rPr lang="zh-CN" altLang="en-US" dirty="0"/>
-              <a:t>实现多目标定位、活动识别、手势识别，以及如何进一步提高系统的精度等，我们将在今后的工作中尝试解决这些问题。</a:t>
+              <a:t>，以及如何</a:t>
+            </a:r>
+            <a:r>
+              <a:rPr lang="zh-CN" altLang="en-US" dirty="0">
+                <a:solidFill>
+                  <a:srgbClr val="FF0000"/>
+                </a:solidFill>
+              </a:rPr>
+              <a:t>进一步提高系统的精度</a:t>
+            </a:r>
+            <a:r>
+              <a:rPr lang="zh-CN" altLang="en-US" dirty="0"/>
+              <a:t>等，我们将在今后的工作中尝试解决这些问题。</a:t>
             </a:r>
           </a:p>
         </p:txBody>
@@ -10349,6 +9855,545 @@
   <p:clrMapOvr>
     <a:masterClrMapping/>
   </p:clrMapOvr>
+  <p:timing>
+    <p:tnLst>
+      <p:par>
+        <p:cTn id="1" dur="indefinite" restart="never" nodeType="tmRoot"/>
+      </p:par>
+    </p:tnLst>
+  </p:timing>
+</p:sld>
+</file>
+
+<file path=ppt/slides/slide28.xml><?xml version="1.0" encoding="utf-8"?>
+<p:sld xmlns:a="http://schemas.openxmlformats.org/drawingml/2006/main" xmlns:r="http://schemas.openxmlformats.org/officeDocument/2006/relationships" xmlns:p="http://schemas.openxmlformats.org/presentationml/2006/main" show="0">
+  <p:cSld>
+    <p:spTree>
+      <p:nvGrpSpPr>
+        <p:cNvPr id="1" name=""/>
+        <p:cNvGrpSpPr/>
+        <p:nvPr/>
+      </p:nvGrpSpPr>
+      <p:grpSpPr>
+        <a:xfrm>
+          <a:off x="0" y="0"/>
+          <a:ext cx="0" cy="0"/>
+          <a:chOff x="0" y="0"/>
+          <a:chExt cx="0" cy="0"/>
+        </a:xfrm>
+      </p:grpSpPr>
+      <p:sp>
+        <p:nvSpPr>
+          <p:cNvPr id="2" name="标题 1"/>
+          <p:cNvSpPr>
+            <a:spLocks noGrp="1"/>
+          </p:cNvSpPr>
+          <p:nvPr>
+            <p:ph type="title"/>
+          </p:nvPr>
+        </p:nvSpPr>
+        <p:spPr/>
+        <p:txBody>
+          <a:bodyPr/>
+          <a:lstStyle/>
+          <a:p>
+            <a:pPr algn="ctr"/>
+            <a:r>
+              <a:rPr lang="zh-CN" altLang="en-US" dirty="0" smtClean="0">
+                <a:latin typeface="黑体" panose="02010609060101010101" pitchFamily="49" charset="-122"/>
+                <a:ea typeface="黑体" panose="02010609060101010101" pitchFamily="49" charset="-122"/>
+              </a:rPr>
+              <a:t>思路</a:t>
+            </a:r>
+            <a:endParaRPr lang="zh-CN" altLang="en-US" dirty="0">
+              <a:latin typeface="黑体" panose="02010609060101010101" pitchFamily="49" charset="-122"/>
+              <a:ea typeface="黑体" panose="02010609060101010101" pitchFamily="49" charset="-122"/>
+            </a:endParaRPr>
+          </a:p>
+        </p:txBody>
+      </p:sp>
+      <p:sp>
+        <p:nvSpPr>
+          <p:cNvPr id="3" name="内容占位符 2"/>
+          <p:cNvSpPr>
+            <a:spLocks noGrp="1"/>
+          </p:cNvSpPr>
+          <p:nvPr>
+            <p:ph idx="1"/>
+          </p:nvPr>
+        </p:nvSpPr>
+        <p:spPr/>
+        <p:txBody>
+          <a:bodyPr>
+            <a:normAutofit/>
+          </a:bodyPr>
+          <a:lstStyle/>
+          <a:p>
+            <a:r>
+              <a:rPr lang="zh-CN" altLang="en-US" sz="2400" dirty="0">
+                <a:solidFill>
+                  <a:schemeClr val="accent1">
+                    <a:lumMod val="50000"/>
+                  </a:schemeClr>
+                </a:solidFill>
+                <a:latin typeface="黑体" panose="02010609060101010101" pitchFamily="49" charset="-122"/>
+                <a:ea typeface="黑体" panose="02010609060101010101" pitchFamily="49" charset="-122"/>
+              </a:rPr>
+              <a:t>研究的</a:t>
+            </a:r>
+            <a:r>
+              <a:rPr lang="zh-CN" altLang="en-US" sz="2400" b="1" dirty="0">
+                <a:solidFill>
+                  <a:schemeClr val="accent1">
+                    <a:lumMod val="50000"/>
+                  </a:schemeClr>
+                </a:solidFill>
+                <a:latin typeface="黑体" panose="02010609060101010101" pitchFamily="49" charset="-122"/>
+                <a:ea typeface="黑体" panose="02010609060101010101" pitchFamily="49" charset="-122"/>
+              </a:rPr>
+              <a:t>主题</a:t>
+            </a:r>
+            <a:r>
+              <a:rPr lang="zh-CN" altLang="en-US" sz="2400" dirty="0">
+                <a:solidFill>
+                  <a:schemeClr val="accent1">
+                    <a:lumMod val="50000"/>
+                  </a:schemeClr>
+                </a:solidFill>
+                <a:latin typeface="黑体" panose="02010609060101010101" pitchFamily="49" charset="-122"/>
+                <a:ea typeface="黑体" panose="02010609060101010101" pitchFamily="49" charset="-122"/>
+              </a:rPr>
+              <a:t>是什么</a:t>
+            </a:r>
+            <a:r>
+              <a:rPr lang="zh-CN" altLang="en-US" sz="2400" dirty="0" smtClean="0">
+                <a:solidFill>
+                  <a:schemeClr val="accent1">
+                    <a:lumMod val="50000"/>
+                  </a:schemeClr>
+                </a:solidFill>
+                <a:latin typeface="黑体" panose="02010609060101010101" pitchFamily="49" charset="-122"/>
+                <a:ea typeface="黑体" panose="02010609060101010101" pitchFamily="49" charset="-122"/>
+              </a:rPr>
+              <a:t>。论文</a:t>
+            </a:r>
+            <a:r>
+              <a:rPr lang="zh-CN" altLang="en-US" sz="2400" b="1" dirty="0">
+                <a:solidFill>
+                  <a:schemeClr val="accent1">
+                    <a:lumMod val="50000"/>
+                  </a:schemeClr>
+                </a:solidFill>
+                <a:latin typeface="黑体" panose="02010609060101010101" pitchFamily="49" charset="-122"/>
+                <a:ea typeface="黑体" panose="02010609060101010101" pitchFamily="49" charset="-122"/>
+              </a:rPr>
+              <a:t>为什么要研究</a:t>
+            </a:r>
+            <a:r>
+              <a:rPr lang="zh-CN" altLang="en-US" sz="2400" dirty="0">
+                <a:solidFill>
+                  <a:schemeClr val="accent1">
+                    <a:lumMod val="50000"/>
+                  </a:schemeClr>
+                </a:solidFill>
+                <a:latin typeface="黑体" panose="02010609060101010101" pitchFamily="49" charset="-122"/>
+                <a:ea typeface="黑体" panose="02010609060101010101" pitchFamily="49" charset="-122"/>
+              </a:rPr>
+              <a:t>这个问题</a:t>
+            </a:r>
+            <a:r>
+              <a:rPr lang="zh-CN" altLang="en-US" sz="2400" dirty="0" smtClean="0">
+                <a:solidFill>
+                  <a:schemeClr val="accent1">
+                    <a:lumMod val="50000"/>
+                  </a:schemeClr>
+                </a:solidFill>
+                <a:latin typeface="黑体" panose="02010609060101010101" pitchFamily="49" charset="-122"/>
+                <a:ea typeface="黑体" panose="02010609060101010101" pitchFamily="49" charset="-122"/>
+              </a:rPr>
+              <a:t>？</a:t>
+            </a:r>
+            <a:endParaRPr lang="en-US" altLang="zh-CN" sz="2400" dirty="0" smtClean="0">
+              <a:solidFill>
+                <a:schemeClr val="accent1">
+                  <a:lumMod val="50000"/>
+                </a:schemeClr>
+              </a:solidFill>
+              <a:latin typeface="黑体" panose="02010609060101010101" pitchFamily="49" charset="-122"/>
+              <a:ea typeface="黑体" panose="02010609060101010101" pitchFamily="49" charset="-122"/>
+            </a:endParaRPr>
+          </a:p>
+          <a:p>
+            <a:r>
+              <a:rPr lang="zh-CN" altLang="en-US" sz="2400" dirty="0">
+                <a:solidFill>
+                  <a:schemeClr val="accent1">
+                    <a:lumMod val="50000"/>
+                  </a:schemeClr>
+                </a:solidFill>
+                <a:latin typeface="黑体" panose="02010609060101010101" pitchFamily="49" charset="-122"/>
+                <a:ea typeface="黑体" panose="02010609060101010101" pitchFamily="49" charset="-122"/>
+              </a:rPr>
+              <a:t>他</a:t>
+            </a:r>
+            <a:r>
+              <a:rPr lang="zh-CN" altLang="en-US" sz="2400" b="1" dirty="0">
+                <a:solidFill>
+                  <a:schemeClr val="accent1">
+                    <a:lumMod val="50000"/>
+                  </a:schemeClr>
+                </a:solidFill>
+                <a:latin typeface="黑体" panose="02010609060101010101" pitchFamily="49" charset="-122"/>
+                <a:ea typeface="黑体" panose="02010609060101010101" pitchFamily="49" charset="-122"/>
+              </a:rPr>
+              <a:t>解决了前人没解决的什么问题</a:t>
+            </a:r>
+            <a:r>
+              <a:rPr lang="zh-CN" altLang="en-US" sz="2400" dirty="0">
+                <a:solidFill>
+                  <a:schemeClr val="accent1">
+                    <a:lumMod val="50000"/>
+                  </a:schemeClr>
+                </a:solidFill>
+                <a:latin typeface="黑体" panose="02010609060101010101" pitchFamily="49" charset="-122"/>
+                <a:ea typeface="黑体" panose="02010609060101010101" pitchFamily="49" charset="-122"/>
+              </a:rPr>
+              <a:t>？与前人比的</a:t>
+            </a:r>
+            <a:r>
+              <a:rPr lang="zh-CN" altLang="en-US" sz="2400" b="1" dirty="0">
+                <a:solidFill>
+                  <a:schemeClr val="accent1">
+                    <a:lumMod val="50000"/>
+                  </a:schemeClr>
+                </a:solidFill>
+                <a:latin typeface="黑体" panose="02010609060101010101" pitchFamily="49" charset="-122"/>
+                <a:ea typeface="黑体" panose="02010609060101010101" pitchFamily="49" charset="-122"/>
+              </a:rPr>
+              <a:t>缺陷是什么</a:t>
+            </a:r>
+            <a:r>
+              <a:rPr lang="zh-CN" altLang="en-US" sz="2400" dirty="0">
+                <a:solidFill>
+                  <a:schemeClr val="accent1">
+                    <a:lumMod val="50000"/>
+                  </a:schemeClr>
+                </a:solidFill>
+                <a:latin typeface="黑体" panose="02010609060101010101" pitchFamily="49" charset="-122"/>
+                <a:ea typeface="黑体" panose="02010609060101010101" pitchFamily="49" charset="-122"/>
+              </a:rPr>
+              <a:t>？</a:t>
+            </a:r>
+          </a:p>
+          <a:p>
+            <a:r>
+              <a:rPr lang="zh-CN" altLang="en-US" sz="2400" dirty="0">
+                <a:solidFill>
+                  <a:schemeClr val="bg1">
+                    <a:lumMod val="65000"/>
+                  </a:schemeClr>
+                </a:solidFill>
+                <a:latin typeface="黑体" panose="02010609060101010101" pitchFamily="49" charset="-122"/>
+                <a:ea typeface="黑体" panose="02010609060101010101" pitchFamily="49" charset="-122"/>
+              </a:rPr>
+              <a:t>他的实验数据可信度有多少？是否有没有完全交代清楚，隐瞒的事实？</a:t>
+            </a:r>
+          </a:p>
+          <a:p>
+            <a:endParaRPr lang="en-US" altLang="zh-CN" sz="2400" dirty="0" smtClean="0">
+              <a:latin typeface="黑体" panose="02010609060101010101" pitchFamily="49" charset="-122"/>
+              <a:ea typeface="黑体" panose="02010609060101010101" pitchFamily="49" charset="-122"/>
+            </a:endParaRPr>
+          </a:p>
+          <a:p>
+            <a:r>
+              <a:rPr lang="en-US" altLang="zh-CN" sz="2400" dirty="0">
+                <a:latin typeface="黑体" panose="02010609060101010101" pitchFamily="49" charset="-122"/>
+                <a:ea typeface="黑体" panose="02010609060101010101" pitchFamily="49" charset="-122"/>
+              </a:rPr>
+              <a:t>1.</a:t>
+            </a:r>
+            <a:r>
+              <a:rPr lang="zh-CN" altLang="en-US" sz="2400" dirty="0">
+                <a:latin typeface="黑体" panose="02010609060101010101" pitchFamily="49" charset="-122"/>
+                <a:ea typeface="黑体" panose="02010609060101010101" pitchFamily="49" charset="-122"/>
+              </a:rPr>
+              <a:t>记住作者，大老板，课题组，学校或单位。</a:t>
+            </a:r>
+            <a:br>
+              <a:rPr lang="zh-CN" altLang="en-US" sz="2400" dirty="0">
+                <a:latin typeface="黑体" panose="02010609060101010101" pitchFamily="49" charset="-122"/>
+                <a:ea typeface="黑体" panose="02010609060101010101" pitchFamily="49" charset="-122"/>
+              </a:rPr>
+            </a:br>
+            <a:r>
+              <a:rPr lang="en-US" altLang="zh-CN" sz="2400" dirty="0">
+                <a:latin typeface="黑体" panose="02010609060101010101" pitchFamily="49" charset="-122"/>
+                <a:ea typeface="黑体" panose="02010609060101010101" pitchFamily="49" charset="-122"/>
+              </a:rPr>
+              <a:t>2.</a:t>
+            </a:r>
+            <a:r>
+              <a:rPr lang="zh-CN" altLang="en-US" sz="2400" dirty="0">
+                <a:latin typeface="黑体" panose="02010609060101010101" pitchFamily="49" charset="-122"/>
+                <a:ea typeface="黑体" panose="02010609060101010101" pitchFamily="49" charset="-122"/>
+              </a:rPr>
+              <a:t>期刊档次。</a:t>
+            </a:r>
+            <a:br>
+              <a:rPr lang="zh-CN" altLang="en-US" sz="2400" dirty="0">
+                <a:latin typeface="黑体" panose="02010609060101010101" pitchFamily="49" charset="-122"/>
+                <a:ea typeface="黑体" panose="02010609060101010101" pitchFamily="49" charset="-122"/>
+              </a:rPr>
+            </a:br>
+            <a:r>
+              <a:rPr lang="en-US" altLang="zh-CN" sz="2400" dirty="0">
+                <a:solidFill>
+                  <a:schemeClr val="tx2"/>
+                </a:solidFill>
+                <a:latin typeface="黑体" panose="02010609060101010101" pitchFamily="49" charset="-122"/>
+                <a:ea typeface="黑体" panose="02010609060101010101" pitchFamily="49" charset="-122"/>
+              </a:rPr>
+              <a:t>3.</a:t>
+            </a:r>
+            <a:r>
+              <a:rPr lang="zh-CN" altLang="en-US" sz="2400" dirty="0">
+                <a:solidFill>
+                  <a:schemeClr val="tx2"/>
+                </a:solidFill>
+                <a:latin typeface="黑体" panose="02010609060101010101" pitchFamily="49" charset="-122"/>
+                <a:ea typeface="黑体" panose="02010609060101010101" pitchFamily="49" charset="-122"/>
+              </a:rPr>
+              <a:t>文献的</a:t>
+            </a:r>
+            <a:r>
+              <a:rPr lang="zh-CN" altLang="en-US" sz="2400" b="1" dirty="0">
+                <a:solidFill>
+                  <a:schemeClr val="tx2"/>
+                </a:solidFill>
+                <a:latin typeface="黑体" panose="02010609060101010101" pitchFamily="49" charset="-122"/>
+                <a:ea typeface="黑体" panose="02010609060101010101" pitchFamily="49" charset="-122"/>
+              </a:rPr>
+              <a:t>背景</a:t>
+            </a:r>
+            <a:r>
+              <a:rPr lang="zh-CN" altLang="en-US" sz="2400" dirty="0">
+                <a:solidFill>
+                  <a:schemeClr val="tx2"/>
+                </a:solidFill>
+                <a:latin typeface="黑体" panose="02010609060101010101" pitchFamily="49" charset="-122"/>
+                <a:ea typeface="黑体" panose="02010609060101010101" pitchFamily="49" charset="-122"/>
+              </a:rPr>
+              <a:t>（视情况简单讲述），</a:t>
+            </a:r>
+            <a:r>
+              <a:rPr lang="zh-CN" altLang="en-US" sz="2400" b="1" dirty="0">
+                <a:solidFill>
+                  <a:schemeClr val="tx2"/>
+                </a:solidFill>
+                <a:latin typeface="黑体" panose="02010609060101010101" pitchFamily="49" charset="-122"/>
+                <a:ea typeface="黑体" panose="02010609060101010101" pitchFamily="49" charset="-122"/>
+              </a:rPr>
+              <a:t>拟解决的问题</a:t>
+            </a:r>
+            <a:r>
+              <a:rPr lang="zh-CN" altLang="en-US" sz="2400" dirty="0">
+                <a:solidFill>
+                  <a:schemeClr val="tx2"/>
+                </a:solidFill>
+                <a:latin typeface="黑体" panose="02010609060101010101" pitchFamily="49" charset="-122"/>
+                <a:ea typeface="黑体" panose="02010609060101010101" pitchFamily="49" charset="-122"/>
+              </a:rPr>
+              <a:t>。</a:t>
+            </a:r>
+            <a:br>
+              <a:rPr lang="zh-CN" altLang="en-US" sz="2400" dirty="0">
+                <a:solidFill>
+                  <a:schemeClr val="tx2"/>
+                </a:solidFill>
+                <a:latin typeface="黑体" panose="02010609060101010101" pitchFamily="49" charset="-122"/>
+                <a:ea typeface="黑体" panose="02010609060101010101" pitchFamily="49" charset="-122"/>
+              </a:rPr>
+            </a:br>
+            <a:r>
+              <a:rPr lang="en-US" altLang="zh-CN" sz="2400" dirty="0">
+                <a:solidFill>
+                  <a:schemeClr val="tx2"/>
+                </a:solidFill>
+                <a:latin typeface="黑体" panose="02010609060101010101" pitchFamily="49" charset="-122"/>
+                <a:ea typeface="黑体" panose="02010609060101010101" pitchFamily="49" charset="-122"/>
+              </a:rPr>
+              <a:t>4.</a:t>
+            </a:r>
+            <a:r>
+              <a:rPr lang="zh-CN" altLang="en-US" sz="2400" dirty="0">
+                <a:solidFill>
+                  <a:schemeClr val="tx2"/>
+                </a:solidFill>
+                <a:latin typeface="黑体" panose="02010609060101010101" pitchFamily="49" charset="-122"/>
+                <a:ea typeface="黑体" panose="02010609060101010101" pitchFamily="49" charset="-122"/>
+              </a:rPr>
+              <a:t>研究</a:t>
+            </a:r>
+            <a:r>
+              <a:rPr lang="zh-CN" altLang="en-US" sz="2400" b="1" dirty="0">
+                <a:solidFill>
+                  <a:schemeClr val="tx2"/>
+                </a:solidFill>
+                <a:latin typeface="黑体" panose="02010609060101010101" pitchFamily="49" charset="-122"/>
+                <a:ea typeface="黑体" panose="02010609060101010101" pitchFamily="49" charset="-122"/>
+              </a:rPr>
+              <a:t>方法</a:t>
+            </a:r>
+            <a:r>
+              <a:rPr lang="zh-CN" altLang="en-US" sz="2400" dirty="0">
+                <a:solidFill>
+                  <a:schemeClr val="tx2"/>
+                </a:solidFill>
+                <a:latin typeface="黑体" panose="02010609060101010101" pitchFamily="49" charset="-122"/>
+                <a:ea typeface="黑体" panose="02010609060101010101" pitchFamily="49" charset="-122"/>
+              </a:rPr>
+              <a:t>和</a:t>
+            </a:r>
+            <a:r>
+              <a:rPr lang="zh-CN" altLang="en-US" sz="2400" b="1" dirty="0">
+                <a:solidFill>
+                  <a:schemeClr val="tx2"/>
+                </a:solidFill>
+                <a:latin typeface="黑体" panose="02010609060101010101" pitchFamily="49" charset="-122"/>
+                <a:ea typeface="黑体" panose="02010609060101010101" pitchFamily="49" charset="-122"/>
+              </a:rPr>
+              <a:t>结论</a:t>
+            </a:r>
+            <a:r>
+              <a:rPr lang="zh-CN" altLang="en-US" sz="2400" dirty="0">
+                <a:solidFill>
+                  <a:schemeClr val="tx2"/>
+                </a:solidFill>
+                <a:latin typeface="黑体" panose="02010609060101010101" pitchFamily="49" charset="-122"/>
+                <a:ea typeface="黑体" panose="02010609060101010101" pitchFamily="49" charset="-122"/>
+              </a:rPr>
+              <a:t>。</a:t>
+            </a:r>
+            <a:br>
+              <a:rPr lang="zh-CN" altLang="en-US" sz="2400" dirty="0">
+                <a:solidFill>
+                  <a:schemeClr val="tx2"/>
+                </a:solidFill>
+                <a:latin typeface="黑体" panose="02010609060101010101" pitchFamily="49" charset="-122"/>
+                <a:ea typeface="黑体" panose="02010609060101010101" pitchFamily="49" charset="-122"/>
+              </a:rPr>
+            </a:br>
+            <a:r>
+              <a:rPr lang="en-US" altLang="zh-CN" sz="2400" dirty="0">
+                <a:solidFill>
+                  <a:schemeClr val="tx2"/>
+                </a:solidFill>
+                <a:latin typeface="黑体" panose="02010609060101010101" pitchFamily="49" charset="-122"/>
+                <a:ea typeface="黑体" panose="02010609060101010101" pitchFamily="49" charset="-122"/>
+              </a:rPr>
+              <a:t>5.</a:t>
+            </a:r>
+            <a:r>
+              <a:rPr lang="zh-CN" altLang="en-US" sz="2400" dirty="0">
+                <a:solidFill>
+                  <a:schemeClr val="tx2"/>
+                </a:solidFill>
+                <a:latin typeface="黑体" panose="02010609060101010101" pitchFamily="49" charset="-122"/>
+                <a:ea typeface="黑体" panose="02010609060101010101" pitchFamily="49" charset="-122"/>
+              </a:rPr>
+              <a:t>最重要的，</a:t>
+            </a:r>
+            <a:r>
+              <a:rPr lang="zh-CN" altLang="en-US" sz="2400" b="1" dirty="0">
+                <a:solidFill>
+                  <a:schemeClr val="tx2"/>
+                </a:solidFill>
+                <a:latin typeface="黑体" panose="02010609060101010101" pitchFamily="49" charset="-122"/>
+                <a:ea typeface="黑体" panose="02010609060101010101" pitchFamily="49" charset="-122"/>
+              </a:rPr>
+              <a:t>创新性在哪</a:t>
+            </a:r>
+            <a:r>
+              <a:rPr lang="zh-CN" altLang="en-US" sz="2400" dirty="0">
+                <a:solidFill>
+                  <a:schemeClr val="tx2"/>
+                </a:solidFill>
+                <a:latin typeface="黑体" panose="02010609060101010101" pitchFamily="49" charset="-122"/>
+                <a:ea typeface="黑体" panose="02010609060101010101" pitchFamily="49" charset="-122"/>
+              </a:rPr>
+              <a:t>。</a:t>
+            </a:r>
+            <a:br>
+              <a:rPr lang="zh-CN" altLang="en-US" sz="2400" dirty="0">
+                <a:solidFill>
+                  <a:schemeClr val="tx2"/>
+                </a:solidFill>
+                <a:latin typeface="黑体" panose="02010609060101010101" pitchFamily="49" charset="-122"/>
+                <a:ea typeface="黑体" panose="02010609060101010101" pitchFamily="49" charset="-122"/>
+              </a:rPr>
+            </a:br>
+            <a:r>
+              <a:rPr lang="en-US" altLang="zh-CN" sz="2400" dirty="0">
+                <a:solidFill>
+                  <a:schemeClr val="tx2"/>
+                </a:solidFill>
+                <a:latin typeface="黑体" panose="02010609060101010101" pitchFamily="49" charset="-122"/>
+                <a:ea typeface="黑体" panose="02010609060101010101" pitchFamily="49" charset="-122"/>
+              </a:rPr>
+              <a:t>6.</a:t>
+            </a:r>
+            <a:r>
+              <a:rPr lang="zh-CN" altLang="en-US" sz="2400" dirty="0">
+                <a:solidFill>
+                  <a:schemeClr val="tx2"/>
+                </a:solidFill>
+                <a:latin typeface="黑体" panose="02010609060101010101" pitchFamily="49" charset="-122"/>
+                <a:ea typeface="黑体" panose="02010609060101010101" pitchFamily="49" charset="-122"/>
+              </a:rPr>
+              <a:t>方法是否存在不足？对自己有何</a:t>
+            </a:r>
+            <a:r>
+              <a:rPr lang="zh-CN" altLang="en-US" sz="2400" b="1" dirty="0">
+                <a:solidFill>
+                  <a:schemeClr val="tx2"/>
+                </a:solidFill>
+                <a:latin typeface="黑体" panose="02010609060101010101" pitchFamily="49" charset="-122"/>
+                <a:ea typeface="黑体" panose="02010609060101010101" pitchFamily="49" charset="-122"/>
+              </a:rPr>
+              <a:t>启发</a:t>
+            </a:r>
+            <a:r>
+              <a:rPr lang="zh-CN" altLang="en-US" sz="2400" dirty="0">
+                <a:solidFill>
+                  <a:schemeClr val="tx2"/>
+                </a:solidFill>
+                <a:latin typeface="黑体" panose="02010609060101010101" pitchFamily="49" charset="-122"/>
+                <a:ea typeface="黑体" panose="02010609060101010101" pitchFamily="49" charset="-122"/>
+              </a:rPr>
+              <a:t>？</a:t>
+            </a:r>
+          </a:p>
+        </p:txBody>
+      </p:sp>
+    </p:spTree>
+    <p:extLst>
+      <p:ext uri="{BB962C8B-B14F-4D97-AF65-F5344CB8AC3E}">
+        <p14:creationId xmlns:p14="http://schemas.microsoft.com/office/powerpoint/2010/main" val="2710621006"/>
+      </p:ext>
+    </p:extLst>
+  </p:cSld>
+  <p:clrMapOvr>
+    <a:masterClrMapping/>
+  </p:clrMapOvr>
+  <mc:AlternateContent xmlns:mc="http://schemas.openxmlformats.org/markup-compatibility/2006" xmlns:p14="http://schemas.microsoft.com/office/powerpoint/2010/main">
+    <mc:Choice Requires="p14">
+      <p:transition spd="slow" p14:dur="2000"/>
+    </mc:Choice>
+    <mc:Fallback xmlns="">
+      <p:transition spd="slow"/>
+    </mc:Fallback>
+  </mc:AlternateContent>
   <p:timing>
     <p:tnLst>
       <p:par>
@@ -10393,7 +10438,7 @@
           <a:p>
             <a:r>
               <a:rPr lang="en-US" altLang="zh-CN" dirty="0" smtClean="0"/>
-              <a:t>DFLAR</a:t>
+              <a:t>problem</a:t>
             </a:r>
             <a:endParaRPr lang="zh-CN" altLang="en-US" dirty="0"/>
           </a:p>
@@ -10416,59 +10461,109 @@
           <a:p>
             <a:r>
               <a:rPr lang="en-US" altLang="zh-CN" dirty="0"/>
-              <a:t>Device-free wireless localization and activity </a:t>
+              <a:t>Existing work generally </a:t>
+            </a:r>
+            <a:r>
+              <a:rPr lang="en-US" altLang="zh-CN" dirty="0">
+                <a:solidFill>
+                  <a:srgbClr val="FF0000"/>
+                </a:solidFill>
+              </a:rPr>
+              <a:t>utilizes statistical features </a:t>
+            </a:r>
+            <a:r>
+              <a:rPr lang="en-US" altLang="zh-CN" dirty="0"/>
+              <a:t>extracted </a:t>
             </a:r>
             <a:r>
               <a:rPr lang="en-US" altLang="zh-CN" dirty="0" smtClean="0"/>
-              <a:t>recognition</a:t>
-            </a:r>
-          </a:p>
-          <a:p>
+              <a:t>from wireless </a:t>
+            </a:r>
+            <a:r>
+              <a:rPr lang="en-US" altLang="zh-CN" dirty="0"/>
+              <a:t>signals, such as mean and variance in the </a:t>
+            </a:r>
+            <a:r>
+              <a:rPr lang="en-US" altLang="zh-CN" dirty="0">
+                <a:solidFill>
+                  <a:srgbClr val="FF0000"/>
+                </a:solidFill>
+              </a:rPr>
+              <a:t>time domain </a:t>
+            </a:r>
             <a:r>
               <a:rPr lang="en-US" altLang="zh-CN" dirty="0" smtClean="0"/>
-              <a:t>A </a:t>
+              <a:t>and energy </a:t>
             </a:r>
             <a:r>
               <a:rPr lang="en-US" altLang="zh-CN" dirty="0"/>
-              <a:t>new technique, which could estimate the location and activity of a target by analyzing its shadowing </a:t>
+              <a:t>as well as entropy in the </a:t>
+            </a:r>
+            <a:r>
+              <a:rPr lang="en-US" altLang="zh-CN" dirty="0">
+                <a:solidFill>
+                  <a:srgbClr val="FF0000"/>
+                </a:solidFill>
+              </a:rPr>
+              <a:t>frequency domain</a:t>
+            </a:r>
+            <a:r>
+              <a:rPr lang="en-US" altLang="zh-CN" dirty="0"/>
+              <a:t>, to </a:t>
             </a:r>
             <a:r>
               <a:rPr lang="en-US" altLang="zh-CN" dirty="0" smtClean="0"/>
-              <a:t>effect on </a:t>
+              <a:t>characterize the </a:t>
             </a:r>
             <a:r>
               <a:rPr lang="en-US" altLang="zh-CN" dirty="0"/>
-              <a:t>surrounding wireless </a:t>
-            </a:r>
+              <a:t>influence of the target. </a:t>
+            </a:r>
+            <a:endParaRPr lang="en-US" altLang="zh-CN" dirty="0" smtClean="0"/>
+          </a:p>
+          <a:p>
             <a:r>
               <a:rPr lang="en-US" altLang="zh-CN" dirty="0" smtClean="0"/>
-              <a:t>links.</a:t>
-            </a:r>
-          </a:p>
-          <a:p>
+              <a:t>However</a:t>
+            </a:r>
+            <a:r>
+              <a:rPr lang="en-US" altLang="zh-CN" dirty="0"/>
+              <a:t>, a feature suitable for distinguishing some activities or gestures may perform poorly when </a:t>
+            </a:r>
             <a:r>
               <a:rPr lang="en-US" altLang="zh-CN" dirty="0" smtClean="0"/>
-              <a:t>This </a:t>
+              <a:t>it is </a:t>
             </a:r>
             <a:r>
               <a:rPr lang="en-US" altLang="zh-CN" dirty="0"/>
-              <a:t>technique neither requires </a:t>
+              <a:t>used to recognize other </a:t>
             </a:r>
             <a:r>
               <a:rPr lang="en-US" altLang="zh-CN" dirty="0" smtClean="0"/>
-              <a:t>the target </a:t>
+              <a:t>activities </a:t>
             </a:r>
             <a:r>
               <a:rPr lang="en-US" altLang="zh-CN" dirty="0"/>
-              <a:t>to be equipped with any device nor involves privacy concerns, which makes it an attractive and promising technique </a:t>
-            </a:r>
+              <a:t>or gestures. </a:t>
+            </a:r>
+            <a:endParaRPr lang="en-US" altLang="zh-CN" dirty="0" smtClean="0"/>
+          </a:p>
+          <a:p>
             <a:r>
               <a:rPr lang="en-US" altLang="zh-CN" dirty="0" smtClean="0"/>
-              <a:t>for many </a:t>
+              <a:t>One has to </a:t>
             </a:r>
             <a:r>
               <a:rPr lang="en-US" altLang="zh-CN" dirty="0"/>
-              <a:t>emerging smart applications. </a:t>
+              <a:t>manually design handcraft features for a </a:t>
+            </a:r>
+            <a:r>
+              <a:rPr lang="en-US" altLang="zh-CN" dirty="0" smtClean="0"/>
+              <a:t>specific application</a:t>
+            </a:r>
+            <a:r>
+              <a:rPr lang="en-US" altLang="zh-CN" dirty="0"/>
+              <a:t>.</a:t>
             </a:r>
             <a:endParaRPr lang="zh-CN" altLang="en-US" dirty="0"/>
           </a:p>
@@ -10477,7 +10572,7 @@
     </p:spTree>
     <p:extLst>
       <p:ext uri="{BB962C8B-B14F-4D97-AF65-F5344CB8AC3E}">
-        <p14:creationId xmlns:p14="http://schemas.microsoft.com/office/powerpoint/2010/main" val="2567861160"/>
+        <p14:creationId xmlns:p14="http://schemas.microsoft.com/office/powerpoint/2010/main" val="2300172152"/>
       </p:ext>
     </p:extLst>
   </p:cSld>
@@ -10528,191 +10623,6 @@
           <a:p>
             <a:r>
               <a:rPr lang="en-US" altLang="zh-CN" dirty="0" smtClean="0"/>
-              <a:t>problem</a:t>
-            </a:r>
-            <a:endParaRPr lang="zh-CN" altLang="en-US" dirty="0"/>
-          </a:p>
-        </p:txBody>
-      </p:sp>
-      <p:sp>
-        <p:nvSpPr>
-          <p:cNvPr id="3" name="内容占位符 2"/>
-          <p:cNvSpPr>
-            <a:spLocks noGrp="1"/>
-          </p:cNvSpPr>
-          <p:nvPr>
-            <p:ph idx="1"/>
-          </p:nvPr>
-        </p:nvSpPr>
-        <p:spPr/>
-        <p:txBody>
-          <a:bodyPr/>
-          <a:lstStyle/>
-          <a:p>
-            <a:r>
-              <a:rPr lang="en-US" altLang="zh-CN" dirty="0"/>
-              <a:t>Existing work generally </a:t>
-            </a:r>
-            <a:r>
-              <a:rPr lang="en-US" altLang="zh-CN" dirty="0">
-                <a:solidFill>
-                  <a:srgbClr val="FF0000"/>
-                </a:solidFill>
-              </a:rPr>
-              <a:t>utilizes statistical features </a:t>
-            </a:r>
-            <a:r>
-              <a:rPr lang="en-US" altLang="zh-CN" dirty="0"/>
-              <a:t>extracted </a:t>
-            </a:r>
-            <a:r>
-              <a:rPr lang="en-US" altLang="zh-CN" dirty="0" smtClean="0"/>
-              <a:t>from wireless </a:t>
-            </a:r>
-            <a:r>
-              <a:rPr lang="en-US" altLang="zh-CN" dirty="0"/>
-              <a:t>signals, such as mean and variance in the </a:t>
-            </a:r>
-            <a:r>
-              <a:rPr lang="en-US" altLang="zh-CN" dirty="0">
-                <a:solidFill>
-                  <a:srgbClr val="FF0000"/>
-                </a:solidFill>
-              </a:rPr>
-              <a:t>time domain </a:t>
-            </a:r>
-            <a:r>
-              <a:rPr lang="en-US" altLang="zh-CN" dirty="0" smtClean="0"/>
-              <a:t>and energy </a:t>
-            </a:r>
-            <a:r>
-              <a:rPr lang="en-US" altLang="zh-CN" dirty="0"/>
-              <a:t>as well as entropy in the </a:t>
-            </a:r>
-            <a:r>
-              <a:rPr lang="en-US" altLang="zh-CN" dirty="0">
-                <a:solidFill>
-                  <a:srgbClr val="FF0000"/>
-                </a:solidFill>
-              </a:rPr>
-              <a:t>frequency domain</a:t>
-            </a:r>
-            <a:r>
-              <a:rPr lang="en-US" altLang="zh-CN" dirty="0"/>
-              <a:t>, to </a:t>
-            </a:r>
-            <a:r>
-              <a:rPr lang="en-US" altLang="zh-CN" dirty="0" smtClean="0"/>
-              <a:t>characterize the </a:t>
-            </a:r>
-            <a:r>
-              <a:rPr lang="en-US" altLang="zh-CN" dirty="0"/>
-              <a:t>influence of the target. </a:t>
-            </a:r>
-            <a:endParaRPr lang="en-US" altLang="zh-CN" dirty="0" smtClean="0"/>
-          </a:p>
-          <a:p>
-            <a:r>
-              <a:rPr lang="en-US" altLang="zh-CN" dirty="0" smtClean="0"/>
-              <a:t>However</a:t>
-            </a:r>
-            <a:r>
-              <a:rPr lang="en-US" altLang="zh-CN" dirty="0"/>
-              <a:t>, a feature suitable for distinguishing some activities or gestures may perform poorly when </a:t>
-            </a:r>
-            <a:r>
-              <a:rPr lang="en-US" altLang="zh-CN" dirty="0" smtClean="0"/>
-              <a:t>it is </a:t>
-            </a:r>
-            <a:r>
-              <a:rPr lang="en-US" altLang="zh-CN" dirty="0"/>
-              <a:t>used to recognize other </a:t>
-            </a:r>
-            <a:r>
-              <a:rPr lang="en-US" altLang="zh-CN" dirty="0" smtClean="0"/>
-              <a:t>activities </a:t>
-            </a:r>
-            <a:r>
-              <a:rPr lang="en-US" altLang="zh-CN" dirty="0"/>
-              <a:t>or gestures. </a:t>
-            </a:r>
-            <a:endParaRPr lang="en-US" altLang="zh-CN" dirty="0" smtClean="0"/>
-          </a:p>
-          <a:p>
-            <a:r>
-              <a:rPr lang="en-US" altLang="zh-CN" dirty="0" smtClean="0"/>
-              <a:t>One has to </a:t>
-            </a:r>
-            <a:r>
-              <a:rPr lang="en-US" altLang="zh-CN" dirty="0"/>
-              <a:t>manually design handcraft features for a </a:t>
-            </a:r>
-            <a:r>
-              <a:rPr lang="en-US" altLang="zh-CN" dirty="0" smtClean="0"/>
-              <a:t>specific application</a:t>
-            </a:r>
-            <a:r>
-              <a:rPr lang="en-US" altLang="zh-CN" dirty="0"/>
-              <a:t>.</a:t>
-            </a:r>
-            <a:endParaRPr lang="zh-CN" altLang="en-US" dirty="0"/>
-          </a:p>
-        </p:txBody>
-      </p:sp>
-    </p:spTree>
-    <p:extLst>
-      <p:ext uri="{BB962C8B-B14F-4D97-AF65-F5344CB8AC3E}">
-        <p14:creationId xmlns:p14="http://schemas.microsoft.com/office/powerpoint/2010/main" val="2300172152"/>
-      </p:ext>
-    </p:extLst>
-  </p:cSld>
-  <p:clrMapOvr>
-    <a:masterClrMapping/>
-  </p:clrMapOvr>
-  <p:timing>
-    <p:tnLst>
-      <p:par>
-        <p:cTn id="1" dur="indefinite" restart="never" nodeType="tmRoot"/>
-      </p:par>
-    </p:tnLst>
-  </p:timing>
-</p:sld>
-</file>
-
-<file path=ppt/slides/slide5.xml><?xml version="1.0" encoding="utf-8"?>
-<p:sld xmlns:a="http://schemas.openxmlformats.org/drawingml/2006/main" xmlns:r="http://schemas.openxmlformats.org/officeDocument/2006/relationships" xmlns:p="http://schemas.openxmlformats.org/presentationml/2006/main">
-  <p:cSld>
-    <p:spTree>
-      <p:nvGrpSpPr>
-        <p:cNvPr id="1" name=""/>
-        <p:cNvGrpSpPr/>
-        <p:nvPr/>
-      </p:nvGrpSpPr>
-      <p:grpSpPr>
-        <a:xfrm>
-          <a:off x="0" y="0"/>
-          <a:ext cx="0" cy="0"/>
-          <a:chOff x="0" y="0"/>
-          <a:chExt cx="0" cy="0"/>
-        </a:xfrm>
-      </p:grpSpPr>
-      <p:sp>
-        <p:nvSpPr>
-          <p:cNvPr id="2" name="标题 1"/>
-          <p:cNvSpPr>
-            <a:spLocks noGrp="1"/>
-          </p:cNvSpPr>
-          <p:nvPr>
-            <p:ph type="title"/>
-          </p:nvPr>
-        </p:nvSpPr>
-        <p:spPr/>
-        <p:txBody>
-          <a:bodyPr/>
-          <a:lstStyle/>
-          <a:p>
-            <a:r>
-              <a:rPr lang="en-US" altLang="zh-CN" dirty="0" smtClean="0"/>
               <a:t>work</a:t>
             </a:r>
             <a:endParaRPr lang="zh-CN" altLang="en-US" dirty="0"/>
@@ -10865,7 +10775,7 @@
 </p:sld>
 </file>
 
-<file path=ppt/slides/slide6.xml><?xml version="1.0" encoding="utf-8"?>
+<file path=ppt/slides/slide5.xml><?xml version="1.0" encoding="utf-8"?>
 <p:sld xmlns:a="http://schemas.openxmlformats.org/drawingml/2006/main" xmlns:r="http://schemas.openxmlformats.org/officeDocument/2006/relationships" xmlns:p="http://schemas.openxmlformats.org/presentationml/2006/main">
   <p:cSld>
     <p:spTree>
@@ -10955,7 +10865,7 @@
 </p:sld>
 </file>
 
-<file path=ppt/slides/slide7.xml><?xml version="1.0" encoding="utf-8"?>
+<file path=ppt/slides/slide6.xml><?xml version="1.0" encoding="utf-8"?>
 <p:sld xmlns:a="http://schemas.openxmlformats.org/drawingml/2006/main" xmlns:r="http://schemas.openxmlformats.org/officeDocument/2006/relationships" xmlns:p="http://schemas.openxmlformats.org/presentationml/2006/main">
   <p:cSld>
     <p:spTree>
@@ -11309,7 +11219,7 @@
 </p:sld>
 </file>
 
-<file path=ppt/slides/slide8.xml><?xml version="1.0" encoding="utf-8"?>
+<file path=ppt/slides/slide7.xml><?xml version="1.0" encoding="utf-8"?>
 <p:sld xmlns:a="http://schemas.openxmlformats.org/drawingml/2006/main" xmlns:r="http://schemas.openxmlformats.org/officeDocument/2006/relationships" xmlns:p="http://schemas.openxmlformats.org/presentationml/2006/main">
   <p:cSld>
     <p:spTree>
@@ -11326,6 +11236,290 @@
           <a:chExt cx="0" cy="0"/>
         </a:xfrm>
       </p:grpSpPr>
+      <p:grpSp>
+        <p:nvGrpSpPr>
+          <p:cNvPr id="23" name="组合 22"/>
+          <p:cNvGrpSpPr/>
+          <p:nvPr/>
+        </p:nvGrpSpPr>
+        <p:grpSpPr>
+          <a:xfrm>
+            <a:off x="4807527" y="1300957"/>
+            <a:ext cx="6370355" cy="4319604"/>
+            <a:chOff x="4835236" y="1258905"/>
+            <a:chExt cx="6370355" cy="4319604"/>
+          </a:xfrm>
+        </p:grpSpPr>
+        <p:pic>
+          <p:nvPicPr>
+            <p:cNvPr id="4" name="图片 3"/>
+            <p:cNvPicPr>
+              <a:picLocks noChangeAspect="1"/>
+            </p:cNvPicPr>
+            <p:nvPr/>
+          </p:nvPicPr>
+          <p:blipFill>
+            <a:blip r:embed="rId3"/>
+            <a:stretch>
+              <a:fillRect/>
+            </a:stretch>
+          </p:blipFill>
+          <p:spPr>
+            <a:xfrm>
+              <a:off x="5547741" y="1258905"/>
+              <a:ext cx="5657850" cy="2952750"/>
+            </a:xfrm>
+            <a:prstGeom prst="rect">
+              <a:avLst/>
+            </a:prstGeom>
+          </p:spPr>
+        </p:pic>
+        <p:pic>
+          <p:nvPicPr>
+            <p:cNvPr id="5" name="图片 4"/>
+            <p:cNvPicPr>
+              <a:picLocks noChangeAspect="1"/>
+            </p:cNvPicPr>
+            <p:nvPr/>
+          </p:nvPicPr>
+          <p:blipFill>
+            <a:blip r:embed="rId4"/>
+            <a:stretch>
+              <a:fillRect/>
+            </a:stretch>
+          </p:blipFill>
+          <p:spPr>
+            <a:xfrm>
+              <a:off x="5375563" y="5140359"/>
+              <a:ext cx="1847850" cy="438150"/>
+            </a:xfrm>
+            <a:prstGeom prst="rect">
+              <a:avLst/>
+            </a:prstGeom>
+          </p:spPr>
+        </p:pic>
+        <p:cxnSp>
+          <p:nvCxnSpPr>
+            <p:cNvPr id="14" name="肘形连接符 13"/>
+            <p:cNvCxnSpPr/>
+            <p:nvPr/>
+          </p:nvCxnSpPr>
+          <p:spPr>
+            <a:xfrm rot="16200000" flipH="1">
+              <a:off x="6662928" y="3968496"/>
+              <a:ext cx="707136" cy="304800"/>
+            </a:xfrm>
+            <a:prstGeom prst="bentConnector3">
+              <a:avLst>
+                <a:gd name="adj1" fmla="val 0"/>
+              </a:avLst>
+            </a:prstGeom>
+            <a:ln w="38100">
+              <a:solidFill>
+                <a:srgbClr val="FFC000"/>
+              </a:solidFill>
+              <a:tailEnd type="triangle"/>
+            </a:ln>
+          </p:spPr>
+          <p:style>
+            <a:lnRef idx="1">
+              <a:schemeClr val="accent1"/>
+            </a:lnRef>
+            <a:fillRef idx="0">
+              <a:schemeClr val="accent1"/>
+            </a:fillRef>
+            <a:effectRef idx="0">
+              <a:schemeClr val="accent1"/>
+            </a:effectRef>
+            <a:fontRef idx="minor">
+              <a:schemeClr val="tx1"/>
+            </a:fontRef>
+          </p:style>
+        </p:cxnSp>
+        <p:cxnSp>
+          <p:nvCxnSpPr>
+            <p:cNvPr id="17" name="肘形连接符 16"/>
+            <p:cNvCxnSpPr/>
+            <p:nvPr/>
+          </p:nvCxnSpPr>
+          <p:spPr>
+            <a:xfrm rot="5400000">
+              <a:off x="5224272" y="3895343"/>
+              <a:ext cx="707137" cy="451104"/>
+            </a:xfrm>
+            <a:prstGeom prst="bentConnector3">
+              <a:avLst>
+                <a:gd name="adj1" fmla="val 0"/>
+              </a:avLst>
+            </a:prstGeom>
+            <a:ln w="38100">
+              <a:solidFill>
+                <a:srgbClr val="FFC000"/>
+              </a:solidFill>
+              <a:tailEnd type="triangle"/>
+            </a:ln>
+          </p:spPr>
+          <p:style>
+            <a:lnRef idx="1">
+              <a:schemeClr val="accent1"/>
+            </a:lnRef>
+            <a:fillRef idx="0">
+              <a:schemeClr val="accent1"/>
+            </a:fillRef>
+            <a:effectRef idx="0">
+              <a:schemeClr val="accent1"/>
+            </a:effectRef>
+            <a:fontRef idx="minor">
+              <a:schemeClr val="tx1"/>
+            </a:fontRef>
+          </p:style>
+        </p:cxnSp>
+        <p:sp>
+          <p:nvSpPr>
+            <p:cNvPr id="20" name="矩形 19"/>
+            <p:cNvSpPr/>
+            <p:nvPr/>
+          </p:nvSpPr>
+          <p:spPr>
+            <a:xfrm>
+              <a:off x="4835236" y="4474464"/>
+              <a:ext cx="1080655" cy="360772"/>
+            </a:xfrm>
+            <a:prstGeom prst="rect">
+              <a:avLst/>
+            </a:prstGeom>
+            <a:noFill/>
+          </p:spPr>
+          <p:style>
+            <a:lnRef idx="2">
+              <a:schemeClr val="accent1">
+                <a:shade val="50000"/>
+              </a:schemeClr>
+            </a:lnRef>
+            <a:fillRef idx="1">
+              <a:schemeClr val="accent1"/>
+            </a:fillRef>
+            <a:effectRef idx="0">
+              <a:schemeClr val="accent1"/>
+            </a:effectRef>
+            <a:fontRef idx="minor">
+              <a:schemeClr val="lt1"/>
+            </a:fontRef>
+          </p:style>
+          <p:txBody>
+            <a:bodyPr rtlCol="0" anchor="ctr"/>
+            <a:lstStyle/>
+            <a:p>
+              <a:pPr algn="ctr"/>
+              <a:r>
+                <a:rPr lang="en-US" altLang="zh-CN" sz="2000" dirty="0" smtClean="0">
+                  <a:solidFill>
+                    <a:schemeClr val="tx1"/>
+                  </a:solidFill>
+                </a:rPr>
+                <a:t>cA4</a:t>
+              </a:r>
+              <a:endParaRPr lang="zh-CN" altLang="en-US" sz="2000" dirty="0">
+                <a:solidFill>
+                  <a:schemeClr val="tx1"/>
+                </a:solidFill>
+              </a:endParaRPr>
+            </a:p>
+          </p:txBody>
+        </p:sp>
+        <p:sp>
+          <p:nvSpPr>
+            <p:cNvPr id="21" name="矩形 20"/>
+            <p:cNvSpPr/>
+            <p:nvPr/>
+          </p:nvSpPr>
+          <p:spPr>
+            <a:xfrm>
+              <a:off x="6628568" y="4471067"/>
+              <a:ext cx="1080655" cy="360772"/>
+            </a:xfrm>
+            <a:prstGeom prst="rect">
+              <a:avLst/>
+            </a:prstGeom>
+            <a:noFill/>
+          </p:spPr>
+          <p:style>
+            <a:lnRef idx="2">
+              <a:schemeClr val="accent1">
+                <a:shade val="50000"/>
+              </a:schemeClr>
+            </a:lnRef>
+            <a:fillRef idx="1">
+              <a:schemeClr val="accent1"/>
+            </a:fillRef>
+            <a:effectRef idx="0">
+              <a:schemeClr val="accent1"/>
+            </a:effectRef>
+            <a:fontRef idx="minor">
+              <a:schemeClr val="lt1"/>
+            </a:fontRef>
+          </p:style>
+          <p:txBody>
+            <a:bodyPr rtlCol="0" anchor="ctr"/>
+            <a:lstStyle/>
+            <a:p>
+              <a:pPr algn="ctr"/>
+              <a:r>
+                <a:rPr lang="en-US" altLang="zh-CN" sz="2000" dirty="0">
+                  <a:solidFill>
+                    <a:schemeClr val="tx1"/>
+                  </a:solidFill>
+                </a:rPr>
+                <a:t>cD4</a:t>
+              </a:r>
+              <a:endParaRPr lang="zh-CN" altLang="en-US" sz="2000" dirty="0">
+                <a:solidFill>
+                  <a:schemeClr val="tx1"/>
+                </a:solidFill>
+              </a:endParaRPr>
+            </a:p>
+          </p:txBody>
+        </p:sp>
+        <p:sp>
+          <p:nvSpPr>
+            <p:cNvPr id="22" name="左大括号 21"/>
+            <p:cNvSpPr/>
+            <p:nvPr/>
+          </p:nvSpPr>
+          <p:spPr>
+            <a:xfrm rot="-5400000">
+              <a:off x="6127737" y="3879981"/>
+              <a:ext cx="167059" cy="2131380"/>
+            </a:xfrm>
+            <a:prstGeom prst="leftBrace">
+              <a:avLst/>
+            </a:prstGeom>
+            <a:ln w="28575"/>
+          </p:spPr>
+          <p:style>
+            <a:lnRef idx="1">
+              <a:schemeClr val="accent6"/>
+            </a:lnRef>
+            <a:fillRef idx="0">
+              <a:schemeClr val="accent6"/>
+            </a:fillRef>
+            <a:effectRef idx="0">
+              <a:schemeClr val="accent6"/>
+            </a:effectRef>
+            <a:fontRef idx="minor">
+              <a:schemeClr val="tx1"/>
+            </a:fontRef>
+          </p:style>
+          <p:txBody>
+            <a:bodyPr rtlCol="0" anchor="ctr"/>
+            <a:lstStyle/>
+            <a:p>
+              <a:pPr algn="ctr"/>
+              <a:endParaRPr lang="zh-CN" altLang="en-US"/>
+            </a:p>
+          </p:txBody>
+        </p:sp>
+      </p:grpSp>
       <p:sp>
         <p:nvSpPr>
           <p:cNvPr id="2" name="标题 1"/>
@@ -11381,60 +11575,15 @@
               <a:t> wavelet </a:t>
             </a:r>
             <a:r>
-              <a:rPr lang="zh-CN" altLang="en-US" dirty="0"/>
+              <a:rPr lang="zh-CN" altLang="en-US" dirty="0">
+                <a:latin typeface="楷体" panose="02010609060101010101" pitchFamily="49" charset="-122"/>
+                <a:ea typeface="楷体" panose="02010609060101010101" pitchFamily="49" charset="-122"/>
+              </a:rPr>
               <a:t>多贝西小波</a:t>
             </a:r>
           </a:p>
         </p:txBody>
       </p:sp>
-      <p:pic>
-        <p:nvPicPr>
-          <p:cNvPr id="4" name="图片 3"/>
-          <p:cNvPicPr>
-            <a:picLocks noChangeAspect="1"/>
-          </p:cNvPicPr>
-          <p:nvPr/>
-        </p:nvPicPr>
-        <p:blipFill>
-          <a:blip r:embed="rId3"/>
-          <a:stretch>
-            <a:fillRect/>
-          </a:stretch>
-        </p:blipFill>
-        <p:spPr>
-          <a:xfrm>
-            <a:off x="5121021" y="2239296"/>
-            <a:ext cx="5657850" cy="2952750"/>
-          </a:xfrm>
-          <a:prstGeom prst="rect">
-            <a:avLst/>
-          </a:prstGeom>
-        </p:spPr>
-      </p:pic>
-      <p:pic>
-        <p:nvPicPr>
-          <p:cNvPr id="5" name="图片 4"/>
-          <p:cNvPicPr>
-            <a:picLocks noChangeAspect="1"/>
-          </p:cNvPicPr>
-          <p:nvPr/>
-        </p:nvPicPr>
-        <p:blipFill>
-          <a:blip r:embed="rId4"/>
-          <a:stretch>
-            <a:fillRect/>
-          </a:stretch>
-        </p:blipFill>
-        <p:spPr>
-          <a:xfrm>
-            <a:off x="5693664" y="5030692"/>
-            <a:ext cx="1847850" cy="438150"/>
-          </a:xfrm>
-          <a:prstGeom prst="rect">
-            <a:avLst/>
-          </a:prstGeom>
-        </p:spPr>
-      </p:pic>
       <p:pic>
         <p:nvPicPr>
           <p:cNvPr id="6" name="图片 5"/>
@@ -11525,7 +11674,7 @@
 </p:sld>
 </file>
 
-<file path=ppt/slides/slide9.xml><?xml version="1.0" encoding="utf-8"?>
+<file path=ppt/slides/slide8.xml><?xml version="1.0" encoding="utf-8"?>
 <p:sld xmlns:a="http://schemas.openxmlformats.org/drawingml/2006/main" xmlns:r="http://schemas.openxmlformats.org/officeDocument/2006/relationships" xmlns:p="http://schemas.openxmlformats.org/presentationml/2006/main">
   <p:cSld>
     <p:spTree>
@@ -11700,6 +11849,96 @@
   <p:clrMapOvr>
     <a:masterClrMapping/>
   </p:clrMapOvr>
+  <p:timing>
+    <p:tnLst>
+      <p:par>
+        <p:cTn id="1" dur="indefinite" restart="never" nodeType="tmRoot"/>
+      </p:par>
+    </p:tnLst>
+  </p:timing>
+</p:sld>
+</file>
+
+<file path=ppt/slides/slide9.xml><?xml version="1.0" encoding="utf-8"?>
+<p:sld xmlns:a="http://schemas.openxmlformats.org/drawingml/2006/main" xmlns:r="http://schemas.openxmlformats.org/officeDocument/2006/relationships" xmlns:p="http://schemas.openxmlformats.org/presentationml/2006/main" show="0">
+  <p:cSld>
+    <p:spTree>
+      <p:nvGrpSpPr>
+        <p:cNvPr id="1" name=""/>
+        <p:cNvGrpSpPr/>
+        <p:nvPr/>
+      </p:nvGrpSpPr>
+      <p:grpSpPr>
+        <a:xfrm>
+          <a:off x="0" y="0"/>
+          <a:ext cx="0" cy="0"/>
+          <a:chOff x="0" y="0"/>
+          <a:chExt cx="0" cy="0"/>
+        </a:xfrm>
+      </p:grpSpPr>
+      <p:sp>
+        <p:nvSpPr>
+          <p:cNvPr id="2" name="标题 1"/>
+          <p:cNvSpPr>
+            <a:spLocks noGrp="1"/>
+          </p:cNvSpPr>
+          <p:nvPr>
+            <p:ph type="title"/>
+          </p:nvPr>
+        </p:nvSpPr>
+        <p:spPr/>
+        <p:txBody>
+          <a:bodyPr/>
+          <a:lstStyle/>
+          <a:p>
+            <a:endParaRPr lang="zh-CN" altLang="en-US"/>
+          </a:p>
+        </p:txBody>
+      </p:sp>
+      <p:pic>
+        <p:nvPicPr>
+          <p:cNvPr id="4" name="内容占位符 3"/>
+          <p:cNvPicPr>
+            <a:picLocks noGrp="1" noChangeAspect="1"/>
+          </p:cNvPicPr>
+          <p:nvPr>
+            <p:ph idx="1"/>
+          </p:nvPr>
+        </p:nvPicPr>
+        <p:blipFill>
+          <a:blip r:embed="rId2"/>
+          <a:stretch>
+            <a:fillRect/>
+          </a:stretch>
+        </p:blipFill>
+        <p:spPr>
+          <a:xfrm>
+            <a:off x="686876" y="877824"/>
+            <a:ext cx="10818247" cy="4993037"/>
+          </a:xfrm>
+          <a:prstGeom prst="rect">
+            <a:avLst/>
+          </a:prstGeom>
+        </p:spPr>
+      </p:pic>
+    </p:spTree>
+    <p:extLst>
+      <p:ext uri="{BB962C8B-B14F-4D97-AF65-F5344CB8AC3E}">
+        <p14:creationId xmlns:p14="http://schemas.microsoft.com/office/powerpoint/2010/main" val="3597625208"/>
+      </p:ext>
+    </p:extLst>
+  </p:cSld>
+  <p:clrMapOvr>
+    <a:masterClrMapping/>
+  </p:clrMapOvr>
+  <mc:AlternateContent xmlns:mc="http://schemas.openxmlformats.org/markup-compatibility/2006" xmlns:p14="http://schemas.microsoft.com/office/powerpoint/2010/main">
+    <mc:Choice Requires="p14">
+      <p:transition spd="slow" p14:dur="2000"/>
+    </mc:Choice>
+    <mc:Fallback xmlns="">
+      <p:transition spd="slow"/>
+    </mc:Fallback>
+  </mc:AlternateContent>
   <p:timing>
     <p:tnLst>
       <p:par>
